--- a/prototype/other/presentation/CNAP_nWo_v1.0.pptx
+++ b/prototype/other/presentation/CNAP_nWo_v1.0.pptx
@@ -118,7 +118,21 @@
   </p:defaultTextStyle>
   <p:extLst>
     <p:ext uri="{EFAFB233-063F-42B5-8137-9DF3F51BA10A}">
-      <p15:sldGuideLst xmlns:p15="http://schemas.microsoft.com/office/powerpoint/2012/main" xmlns=""/>
+      <p15:sldGuideLst xmlns:p15="http://schemas.microsoft.com/office/powerpoint/2012/main">
+        <p15:guide id="1" orient="horz" pos="2160">
+          <p15:clr>
+            <a:srgbClr val="A4A3A4"/>
+          </p15:clr>
+        </p15:guide>
+        <p15:guide id="2" pos="3840">
+          <p15:clr>
+            <a:srgbClr val="A4A3A4"/>
+          </p15:clr>
+        </p15:guide>
+      </p15:sldGuideLst>
+    </p:ext>
+    <p:ext uri="{2D200454-40CA-4A62-9FC3-DE9A4176ACB9}">
+      <p15:notesGuideLst xmlns:p15="http://schemas.microsoft.com/office/powerpoint/2012/main"/>
     </p:ext>
   </p:extLst>
 </p:presentation>
@@ -380,7 +394,7 @@
     </p:spTree>
     <p:extLst>
       <p:ext uri="{BB962C8B-B14F-4D97-AF65-F5344CB8AC3E}">
-        <p14:creationId xmlns:p14="http://schemas.microsoft.com/office/powerpoint/2010/main" xmlns="" val="3828291320"/>
+        <p14:creationId xmlns:p14="http://schemas.microsoft.com/office/powerpoint/2010/main" val="3828291320"/>
       </p:ext>
     </p:extLst>
   </p:cSld>
@@ -555,7 +569,7 @@
     </p:spTree>
     <p:extLst>
       <p:ext uri="{BB962C8B-B14F-4D97-AF65-F5344CB8AC3E}">
-        <p14:creationId xmlns:p14="http://schemas.microsoft.com/office/powerpoint/2010/main" xmlns="" val="2365051174"/>
+        <p14:creationId xmlns:p14="http://schemas.microsoft.com/office/powerpoint/2010/main" val="2365051174"/>
       </p:ext>
     </p:extLst>
   </p:cSld>
@@ -587,7 +601,7 @@
           <p:cNvPr id="2" name="Title 1">
             <a:extLst>
               <a:ext uri="{FF2B5EF4-FFF2-40B4-BE49-F238E27FC236}">
-                <a16:creationId xmlns:a16="http://schemas.microsoft.com/office/drawing/2014/main" xmlns="" id="{89ED7203-1157-4B10-9788-1EB26074C21E}"/>
+                <a16:creationId xmlns:a16="http://schemas.microsoft.com/office/drawing/2014/main" id="{89ED7203-1157-4B10-9788-1EB26074C21E}"/>
               </a:ext>
             </a:extLst>
           </p:cNvPr>
@@ -625,7 +639,7 @@
           <p:cNvPr id="3" name="Subtitle 2">
             <a:extLst>
               <a:ext uri="{FF2B5EF4-FFF2-40B4-BE49-F238E27FC236}">
-                <a16:creationId xmlns:a16="http://schemas.microsoft.com/office/drawing/2014/main" xmlns="" id="{0B08C737-86BF-4CD3-BE91-E944FE97771F}"/>
+                <a16:creationId xmlns:a16="http://schemas.microsoft.com/office/drawing/2014/main" id="{0B08C737-86BF-4CD3-BE91-E944FE97771F}"/>
               </a:ext>
             </a:extLst>
           </p:cNvPr>
@@ -696,7 +710,7 @@
           <p:cNvPr id="4" name="Date Placeholder 3">
             <a:extLst>
               <a:ext uri="{FF2B5EF4-FFF2-40B4-BE49-F238E27FC236}">
-                <a16:creationId xmlns:a16="http://schemas.microsoft.com/office/drawing/2014/main" xmlns="" id="{C18E0557-99EA-450E-80CA-74257E50260A}"/>
+                <a16:creationId xmlns:a16="http://schemas.microsoft.com/office/drawing/2014/main" id="{C18E0557-99EA-450E-80CA-74257E50260A}"/>
               </a:ext>
             </a:extLst>
           </p:cNvPr>
@@ -726,7 +740,7 @@
           <p:cNvPr id="5" name="Footer Placeholder 4">
             <a:extLst>
               <a:ext uri="{FF2B5EF4-FFF2-40B4-BE49-F238E27FC236}">
-                <a16:creationId xmlns:a16="http://schemas.microsoft.com/office/drawing/2014/main" xmlns="" id="{DE29D745-6DAF-4416-A730-18771C998DCA}"/>
+                <a16:creationId xmlns:a16="http://schemas.microsoft.com/office/drawing/2014/main" id="{DE29D745-6DAF-4416-A730-18771C998DCA}"/>
               </a:ext>
             </a:extLst>
           </p:cNvPr>
@@ -751,7 +765,7 @@
           <p:cNvPr id="6" name="Slide Number Placeholder 5">
             <a:extLst>
               <a:ext uri="{FF2B5EF4-FFF2-40B4-BE49-F238E27FC236}">
-                <a16:creationId xmlns:a16="http://schemas.microsoft.com/office/drawing/2014/main" xmlns="" id="{3C8C52F4-6F31-4AC2-97D5-5FE544C78355}"/>
+                <a16:creationId xmlns:a16="http://schemas.microsoft.com/office/drawing/2014/main" id="{3C8C52F4-6F31-4AC2-97D5-5FE544C78355}"/>
               </a:ext>
             </a:extLst>
           </p:cNvPr>
@@ -779,7 +793,7 @@
     </p:spTree>
     <p:extLst>
       <p:ext uri="{BB962C8B-B14F-4D97-AF65-F5344CB8AC3E}">
-        <p14:creationId xmlns:p14="http://schemas.microsoft.com/office/powerpoint/2010/main" xmlns="" val="3723105836"/>
+        <p14:creationId xmlns:p14="http://schemas.microsoft.com/office/powerpoint/2010/main" val="3723105836"/>
       </p:ext>
     </p:extLst>
   </p:cSld>
@@ -811,7 +825,7 @@
           <p:cNvPr id="2" name="Title 1">
             <a:extLst>
               <a:ext uri="{FF2B5EF4-FFF2-40B4-BE49-F238E27FC236}">
-                <a16:creationId xmlns:a16="http://schemas.microsoft.com/office/drawing/2014/main" xmlns="" id="{2BA08971-F180-4769-B3A0-008DAA0A08A2}"/>
+                <a16:creationId xmlns:a16="http://schemas.microsoft.com/office/drawing/2014/main" id="{2BA08971-F180-4769-B3A0-008DAA0A08A2}"/>
               </a:ext>
             </a:extLst>
           </p:cNvPr>
@@ -840,7 +854,7 @@
           <p:cNvPr id="3" name="Vertical Text Placeholder 2">
             <a:extLst>
               <a:ext uri="{FF2B5EF4-FFF2-40B4-BE49-F238E27FC236}">
-                <a16:creationId xmlns:a16="http://schemas.microsoft.com/office/drawing/2014/main" xmlns="" id="{C9252BBC-5A3C-4BAB-98C5-C1E363463882}"/>
+                <a16:creationId xmlns:a16="http://schemas.microsoft.com/office/drawing/2014/main" id="{C9252BBC-5A3C-4BAB-98C5-C1E363463882}"/>
               </a:ext>
             </a:extLst>
           </p:cNvPr>
@@ -898,7 +912,7 @@
           <p:cNvPr id="4" name="Date Placeholder 3">
             <a:extLst>
               <a:ext uri="{FF2B5EF4-FFF2-40B4-BE49-F238E27FC236}">
-                <a16:creationId xmlns:a16="http://schemas.microsoft.com/office/drawing/2014/main" xmlns="" id="{BE220E9F-79B8-42ED-8156-EC05941A1401}"/>
+                <a16:creationId xmlns:a16="http://schemas.microsoft.com/office/drawing/2014/main" id="{BE220E9F-79B8-42ED-8156-EC05941A1401}"/>
               </a:ext>
             </a:extLst>
           </p:cNvPr>
@@ -928,7 +942,7 @@
           <p:cNvPr id="5" name="Footer Placeholder 4">
             <a:extLst>
               <a:ext uri="{FF2B5EF4-FFF2-40B4-BE49-F238E27FC236}">
-                <a16:creationId xmlns:a16="http://schemas.microsoft.com/office/drawing/2014/main" xmlns="" id="{689C1FED-7AFD-4842-9C43-0B800A9EC68F}"/>
+                <a16:creationId xmlns:a16="http://schemas.microsoft.com/office/drawing/2014/main" id="{689C1FED-7AFD-4842-9C43-0B800A9EC68F}"/>
               </a:ext>
             </a:extLst>
           </p:cNvPr>
@@ -953,7 +967,7 @@
           <p:cNvPr id="6" name="Slide Number Placeholder 5">
             <a:extLst>
               <a:ext uri="{FF2B5EF4-FFF2-40B4-BE49-F238E27FC236}">
-                <a16:creationId xmlns:a16="http://schemas.microsoft.com/office/drawing/2014/main" xmlns="" id="{3E950211-C687-4A00-ADB3-F9A0C4E69A89}"/>
+                <a16:creationId xmlns:a16="http://schemas.microsoft.com/office/drawing/2014/main" id="{3E950211-C687-4A00-ADB3-F9A0C4E69A89}"/>
               </a:ext>
             </a:extLst>
           </p:cNvPr>
@@ -981,7 +995,7 @@
     </p:spTree>
     <p:extLst>
       <p:ext uri="{BB962C8B-B14F-4D97-AF65-F5344CB8AC3E}">
-        <p14:creationId xmlns:p14="http://schemas.microsoft.com/office/powerpoint/2010/main" xmlns="" val="237207061"/>
+        <p14:creationId xmlns:p14="http://schemas.microsoft.com/office/powerpoint/2010/main" val="237207061"/>
       </p:ext>
     </p:extLst>
   </p:cSld>
@@ -1013,7 +1027,7 @@
           <p:cNvPr id="2" name="Vertical Title 1">
             <a:extLst>
               <a:ext uri="{FF2B5EF4-FFF2-40B4-BE49-F238E27FC236}">
-                <a16:creationId xmlns:a16="http://schemas.microsoft.com/office/drawing/2014/main" xmlns="" id="{85EC4484-E0C5-40D2-BC83-1F5C3653B447}"/>
+                <a16:creationId xmlns:a16="http://schemas.microsoft.com/office/drawing/2014/main" id="{85EC4484-E0C5-40D2-BC83-1F5C3653B447}"/>
               </a:ext>
             </a:extLst>
           </p:cNvPr>
@@ -1047,7 +1061,7 @@
           <p:cNvPr id="3" name="Vertical Text Placeholder 2">
             <a:extLst>
               <a:ext uri="{FF2B5EF4-FFF2-40B4-BE49-F238E27FC236}">
-                <a16:creationId xmlns:a16="http://schemas.microsoft.com/office/drawing/2014/main" xmlns="" id="{BF7D0894-0FAF-4D37-918B-A4E0F16C2881}"/>
+                <a16:creationId xmlns:a16="http://schemas.microsoft.com/office/drawing/2014/main" id="{BF7D0894-0FAF-4D37-918B-A4E0F16C2881}"/>
               </a:ext>
             </a:extLst>
           </p:cNvPr>
@@ -1110,7 +1124,7 @@
           <p:cNvPr id="4" name="Date Placeholder 3">
             <a:extLst>
               <a:ext uri="{FF2B5EF4-FFF2-40B4-BE49-F238E27FC236}">
-                <a16:creationId xmlns:a16="http://schemas.microsoft.com/office/drawing/2014/main" xmlns="" id="{7ECF59B0-1ACA-4E91-B562-74AC2209E50E}"/>
+                <a16:creationId xmlns:a16="http://schemas.microsoft.com/office/drawing/2014/main" id="{7ECF59B0-1ACA-4E91-B562-74AC2209E50E}"/>
               </a:ext>
             </a:extLst>
           </p:cNvPr>
@@ -1140,7 +1154,7 @@
           <p:cNvPr id="5" name="Footer Placeholder 4">
             <a:extLst>
               <a:ext uri="{FF2B5EF4-FFF2-40B4-BE49-F238E27FC236}">
-                <a16:creationId xmlns:a16="http://schemas.microsoft.com/office/drawing/2014/main" xmlns="" id="{C45CE33C-03D3-4605-88BC-652084142A7F}"/>
+                <a16:creationId xmlns:a16="http://schemas.microsoft.com/office/drawing/2014/main" id="{C45CE33C-03D3-4605-88BC-652084142A7F}"/>
               </a:ext>
             </a:extLst>
           </p:cNvPr>
@@ -1165,7 +1179,7 @@
           <p:cNvPr id="6" name="Slide Number Placeholder 5">
             <a:extLst>
               <a:ext uri="{FF2B5EF4-FFF2-40B4-BE49-F238E27FC236}">
-                <a16:creationId xmlns:a16="http://schemas.microsoft.com/office/drawing/2014/main" xmlns="" id="{9D878D95-7184-426F-A47F-B68B423ED536}"/>
+                <a16:creationId xmlns:a16="http://schemas.microsoft.com/office/drawing/2014/main" id="{9D878D95-7184-426F-A47F-B68B423ED536}"/>
               </a:ext>
             </a:extLst>
           </p:cNvPr>
@@ -1193,7 +1207,7 @@
     </p:spTree>
     <p:extLst>
       <p:ext uri="{BB962C8B-B14F-4D97-AF65-F5344CB8AC3E}">
-        <p14:creationId xmlns:p14="http://schemas.microsoft.com/office/powerpoint/2010/main" xmlns="" val="2972648983"/>
+        <p14:creationId xmlns:p14="http://schemas.microsoft.com/office/powerpoint/2010/main" val="2972648983"/>
       </p:ext>
     </p:extLst>
   </p:cSld>
@@ -1225,7 +1239,7 @@
           <p:cNvPr id="2" name="Title 1">
             <a:extLst>
               <a:ext uri="{FF2B5EF4-FFF2-40B4-BE49-F238E27FC236}">
-                <a16:creationId xmlns:a16="http://schemas.microsoft.com/office/drawing/2014/main" xmlns="" id="{05DA63BE-DD6C-4A35-B92D-471E75F32BED}"/>
+                <a16:creationId xmlns:a16="http://schemas.microsoft.com/office/drawing/2014/main" id="{05DA63BE-DD6C-4A35-B92D-471E75F32BED}"/>
               </a:ext>
             </a:extLst>
           </p:cNvPr>
@@ -1254,7 +1268,7 @@
           <p:cNvPr id="3" name="Content Placeholder 2">
             <a:extLst>
               <a:ext uri="{FF2B5EF4-FFF2-40B4-BE49-F238E27FC236}">
-                <a16:creationId xmlns:a16="http://schemas.microsoft.com/office/drawing/2014/main" xmlns="" id="{3DA8DA7D-B007-4A21-8C80-CC0B1B65D3C8}"/>
+                <a16:creationId xmlns:a16="http://schemas.microsoft.com/office/drawing/2014/main" id="{3DA8DA7D-B007-4A21-8C80-CC0B1B65D3C8}"/>
               </a:ext>
             </a:extLst>
           </p:cNvPr>
@@ -1312,7 +1326,7 @@
           <p:cNvPr id="4" name="Date Placeholder 3">
             <a:extLst>
               <a:ext uri="{FF2B5EF4-FFF2-40B4-BE49-F238E27FC236}">
-                <a16:creationId xmlns:a16="http://schemas.microsoft.com/office/drawing/2014/main" xmlns="" id="{42E3427C-BED5-42D1-9C88-DF6A403FF6ED}"/>
+                <a16:creationId xmlns:a16="http://schemas.microsoft.com/office/drawing/2014/main" id="{42E3427C-BED5-42D1-9C88-DF6A403FF6ED}"/>
               </a:ext>
             </a:extLst>
           </p:cNvPr>
@@ -1342,7 +1356,7 @@
           <p:cNvPr id="5" name="Footer Placeholder 4">
             <a:extLst>
               <a:ext uri="{FF2B5EF4-FFF2-40B4-BE49-F238E27FC236}">
-                <a16:creationId xmlns:a16="http://schemas.microsoft.com/office/drawing/2014/main" xmlns="" id="{9C4A85B7-5B3D-4A98-AF02-42F2FD52B29B}"/>
+                <a16:creationId xmlns:a16="http://schemas.microsoft.com/office/drawing/2014/main" id="{9C4A85B7-5B3D-4A98-AF02-42F2FD52B29B}"/>
               </a:ext>
             </a:extLst>
           </p:cNvPr>
@@ -1367,7 +1381,7 @@
           <p:cNvPr id="6" name="Slide Number Placeholder 5">
             <a:extLst>
               <a:ext uri="{FF2B5EF4-FFF2-40B4-BE49-F238E27FC236}">
-                <a16:creationId xmlns:a16="http://schemas.microsoft.com/office/drawing/2014/main" xmlns="" id="{98CB56C3-13BC-4CD2-850C-B2FD7E26E07E}"/>
+                <a16:creationId xmlns:a16="http://schemas.microsoft.com/office/drawing/2014/main" id="{98CB56C3-13BC-4CD2-850C-B2FD7E26E07E}"/>
               </a:ext>
             </a:extLst>
           </p:cNvPr>
@@ -1395,7 +1409,7 @@
     </p:spTree>
     <p:extLst>
       <p:ext uri="{BB962C8B-B14F-4D97-AF65-F5344CB8AC3E}">
-        <p14:creationId xmlns:p14="http://schemas.microsoft.com/office/powerpoint/2010/main" xmlns="" val="1558000068"/>
+        <p14:creationId xmlns:p14="http://schemas.microsoft.com/office/powerpoint/2010/main" val="1558000068"/>
       </p:ext>
     </p:extLst>
   </p:cSld>
@@ -1427,7 +1441,7 @@
           <p:cNvPr id="2" name="Title 1">
             <a:extLst>
               <a:ext uri="{FF2B5EF4-FFF2-40B4-BE49-F238E27FC236}">
-                <a16:creationId xmlns:a16="http://schemas.microsoft.com/office/drawing/2014/main" xmlns="" id="{1EA419AB-91D3-4506-BDC4-B689B094D795}"/>
+                <a16:creationId xmlns:a16="http://schemas.microsoft.com/office/drawing/2014/main" id="{1EA419AB-91D3-4506-BDC4-B689B094D795}"/>
               </a:ext>
             </a:extLst>
           </p:cNvPr>
@@ -1465,7 +1479,7 @@
           <p:cNvPr id="3" name="Text Placeholder 2">
             <a:extLst>
               <a:ext uri="{FF2B5EF4-FFF2-40B4-BE49-F238E27FC236}">
-                <a16:creationId xmlns:a16="http://schemas.microsoft.com/office/drawing/2014/main" xmlns="" id="{6F70645F-804B-4D0D-89F1-DB0FD36140AD}"/>
+                <a16:creationId xmlns:a16="http://schemas.microsoft.com/office/drawing/2014/main" id="{6F70645F-804B-4D0D-89F1-DB0FD36140AD}"/>
               </a:ext>
             </a:extLst>
           </p:cNvPr>
@@ -1590,7 +1604,7 @@
           <p:cNvPr id="4" name="Date Placeholder 3">
             <a:extLst>
               <a:ext uri="{FF2B5EF4-FFF2-40B4-BE49-F238E27FC236}">
-                <a16:creationId xmlns:a16="http://schemas.microsoft.com/office/drawing/2014/main" xmlns="" id="{0573AEC5-24CF-4E2C-9FB4-74B8A9645D94}"/>
+                <a16:creationId xmlns:a16="http://schemas.microsoft.com/office/drawing/2014/main" id="{0573AEC5-24CF-4E2C-9FB4-74B8A9645D94}"/>
               </a:ext>
             </a:extLst>
           </p:cNvPr>
@@ -1620,7 +1634,7 @@
           <p:cNvPr id="5" name="Footer Placeholder 4">
             <a:extLst>
               <a:ext uri="{FF2B5EF4-FFF2-40B4-BE49-F238E27FC236}">
-                <a16:creationId xmlns:a16="http://schemas.microsoft.com/office/drawing/2014/main" xmlns="" id="{5B848DD1-E9D2-42ED-B3F5-4846BC1C275F}"/>
+                <a16:creationId xmlns:a16="http://schemas.microsoft.com/office/drawing/2014/main" id="{5B848DD1-E9D2-42ED-B3F5-4846BC1C275F}"/>
               </a:ext>
             </a:extLst>
           </p:cNvPr>
@@ -1645,7 +1659,7 @@
           <p:cNvPr id="6" name="Slide Number Placeholder 5">
             <a:extLst>
               <a:ext uri="{FF2B5EF4-FFF2-40B4-BE49-F238E27FC236}">
-                <a16:creationId xmlns:a16="http://schemas.microsoft.com/office/drawing/2014/main" xmlns="" id="{80428821-71D2-4845-AD63-6B6C19690869}"/>
+                <a16:creationId xmlns:a16="http://schemas.microsoft.com/office/drawing/2014/main" id="{80428821-71D2-4845-AD63-6B6C19690869}"/>
               </a:ext>
             </a:extLst>
           </p:cNvPr>
@@ -1673,7 +1687,7 @@
     </p:spTree>
     <p:extLst>
       <p:ext uri="{BB962C8B-B14F-4D97-AF65-F5344CB8AC3E}">
-        <p14:creationId xmlns:p14="http://schemas.microsoft.com/office/powerpoint/2010/main" xmlns="" val="884824136"/>
+        <p14:creationId xmlns:p14="http://schemas.microsoft.com/office/powerpoint/2010/main" val="884824136"/>
       </p:ext>
     </p:extLst>
   </p:cSld>
@@ -1705,7 +1719,7 @@
           <p:cNvPr id="2" name="Title 1">
             <a:extLst>
               <a:ext uri="{FF2B5EF4-FFF2-40B4-BE49-F238E27FC236}">
-                <a16:creationId xmlns:a16="http://schemas.microsoft.com/office/drawing/2014/main" xmlns="" id="{6BD2F1FD-F5BC-484F-80CC-1952EF3B172E}"/>
+                <a16:creationId xmlns:a16="http://schemas.microsoft.com/office/drawing/2014/main" id="{6BD2F1FD-F5BC-484F-80CC-1952EF3B172E}"/>
               </a:ext>
             </a:extLst>
           </p:cNvPr>
@@ -1734,7 +1748,7 @@
           <p:cNvPr id="3" name="Content Placeholder 2">
             <a:extLst>
               <a:ext uri="{FF2B5EF4-FFF2-40B4-BE49-F238E27FC236}">
-                <a16:creationId xmlns:a16="http://schemas.microsoft.com/office/drawing/2014/main" xmlns="" id="{1B9E2E31-994B-4540-9788-6296F1E65267}"/>
+                <a16:creationId xmlns:a16="http://schemas.microsoft.com/office/drawing/2014/main" id="{1B9E2E31-994B-4540-9788-6296F1E65267}"/>
               </a:ext>
             </a:extLst>
           </p:cNvPr>
@@ -1797,7 +1811,7 @@
           <p:cNvPr id="4" name="Content Placeholder 3">
             <a:extLst>
               <a:ext uri="{FF2B5EF4-FFF2-40B4-BE49-F238E27FC236}">
-                <a16:creationId xmlns:a16="http://schemas.microsoft.com/office/drawing/2014/main" xmlns="" id="{C2B4BBF9-2706-4DC8-A022-38D62E8554C7}"/>
+                <a16:creationId xmlns:a16="http://schemas.microsoft.com/office/drawing/2014/main" id="{C2B4BBF9-2706-4DC8-A022-38D62E8554C7}"/>
               </a:ext>
             </a:extLst>
           </p:cNvPr>
@@ -1860,7 +1874,7 @@
           <p:cNvPr id="5" name="Date Placeholder 4">
             <a:extLst>
               <a:ext uri="{FF2B5EF4-FFF2-40B4-BE49-F238E27FC236}">
-                <a16:creationId xmlns:a16="http://schemas.microsoft.com/office/drawing/2014/main" xmlns="" id="{A008B6F0-939F-4458-8E58-D0A879BF889F}"/>
+                <a16:creationId xmlns:a16="http://schemas.microsoft.com/office/drawing/2014/main" id="{A008B6F0-939F-4458-8E58-D0A879BF889F}"/>
               </a:ext>
             </a:extLst>
           </p:cNvPr>
@@ -1890,7 +1904,7 @@
           <p:cNvPr id="6" name="Footer Placeholder 5">
             <a:extLst>
               <a:ext uri="{FF2B5EF4-FFF2-40B4-BE49-F238E27FC236}">
-                <a16:creationId xmlns:a16="http://schemas.microsoft.com/office/drawing/2014/main" xmlns="" id="{46D9AD02-461B-46A8-8BF7-3FBF528F1271}"/>
+                <a16:creationId xmlns:a16="http://schemas.microsoft.com/office/drawing/2014/main" id="{46D9AD02-461B-46A8-8BF7-3FBF528F1271}"/>
               </a:ext>
             </a:extLst>
           </p:cNvPr>
@@ -1915,7 +1929,7 @@
           <p:cNvPr id="7" name="Slide Number Placeholder 6">
             <a:extLst>
               <a:ext uri="{FF2B5EF4-FFF2-40B4-BE49-F238E27FC236}">
-                <a16:creationId xmlns:a16="http://schemas.microsoft.com/office/drawing/2014/main" xmlns="" id="{35CA07A1-310A-4849-9728-48EDCE198BB4}"/>
+                <a16:creationId xmlns:a16="http://schemas.microsoft.com/office/drawing/2014/main" id="{35CA07A1-310A-4849-9728-48EDCE198BB4}"/>
               </a:ext>
             </a:extLst>
           </p:cNvPr>
@@ -1943,7 +1957,7 @@
     </p:spTree>
     <p:extLst>
       <p:ext uri="{BB962C8B-B14F-4D97-AF65-F5344CB8AC3E}">
-        <p14:creationId xmlns:p14="http://schemas.microsoft.com/office/powerpoint/2010/main" xmlns="" val="1617809523"/>
+        <p14:creationId xmlns:p14="http://schemas.microsoft.com/office/powerpoint/2010/main" val="1617809523"/>
       </p:ext>
     </p:extLst>
   </p:cSld>
@@ -1975,7 +1989,7 @@
           <p:cNvPr id="2" name="Title 1">
             <a:extLst>
               <a:ext uri="{FF2B5EF4-FFF2-40B4-BE49-F238E27FC236}">
-                <a16:creationId xmlns:a16="http://schemas.microsoft.com/office/drawing/2014/main" xmlns="" id="{6EE0771F-5D26-447B-90FF-3A6A894655A2}"/>
+                <a16:creationId xmlns:a16="http://schemas.microsoft.com/office/drawing/2014/main" id="{6EE0771F-5D26-447B-90FF-3A6A894655A2}"/>
               </a:ext>
             </a:extLst>
           </p:cNvPr>
@@ -2009,7 +2023,7 @@
           <p:cNvPr id="3" name="Text Placeholder 2">
             <a:extLst>
               <a:ext uri="{FF2B5EF4-FFF2-40B4-BE49-F238E27FC236}">
-                <a16:creationId xmlns:a16="http://schemas.microsoft.com/office/drawing/2014/main" xmlns="" id="{A31BA459-F3E0-4F21-92F6-8C63BBAF6319}"/>
+                <a16:creationId xmlns:a16="http://schemas.microsoft.com/office/drawing/2014/main" id="{A31BA459-F3E0-4F21-92F6-8C63BBAF6319}"/>
               </a:ext>
             </a:extLst>
           </p:cNvPr>
@@ -2080,7 +2094,7 @@
           <p:cNvPr id="4" name="Content Placeholder 3">
             <a:extLst>
               <a:ext uri="{FF2B5EF4-FFF2-40B4-BE49-F238E27FC236}">
-                <a16:creationId xmlns:a16="http://schemas.microsoft.com/office/drawing/2014/main" xmlns="" id="{9866C5CA-B4C7-4073-AA7B-8D2C8DFD9152}"/>
+                <a16:creationId xmlns:a16="http://schemas.microsoft.com/office/drawing/2014/main" id="{9866C5CA-B4C7-4073-AA7B-8D2C8DFD9152}"/>
               </a:ext>
             </a:extLst>
           </p:cNvPr>
@@ -2143,7 +2157,7 @@
           <p:cNvPr id="5" name="Text Placeholder 4">
             <a:extLst>
               <a:ext uri="{FF2B5EF4-FFF2-40B4-BE49-F238E27FC236}">
-                <a16:creationId xmlns:a16="http://schemas.microsoft.com/office/drawing/2014/main" xmlns="" id="{774C30FC-D5A3-4692-8E50-EE97B4A68117}"/>
+                <a16:creationId xmlns:a16="http://schemas.microsoft.com/office/drawing/2014/main" id="{774C30FC-D5A3-4692-8E50-EE97B4A68117}"/>
               </a:ext>
             </a:extLst>
           </p:cNvPr>
@@ -2214,7 +2228,7 @@
           <p:cNvPr id="6" name="Content Placeholder 5">
             <a:extLst>
               <a:ext uri="{FF2B5EF4-FFF2-40B4-BE49-F238E27FC236}">
-                <a16:creationId xmlns:a16="http://schemas.microsoft.com/office/drawing/2014/main" xmlns="" id="{616503A8-CFF8-4F7D-896E-DB3E453BD1CD}"/>
+                <a16:creationId xmlns:a16="http://schemas.microsoft.com/office/drawing/2014/main" id="{616503A8-CFF8-4F7D-896E-DB3E453BD1CD}"/>
               </a:ext>
             </a:extLst>
           </p:cNvPr>
@@ -2277,7 +2291,7 @@
           <p:cNvPr id="7" name="Date Placeholder 6">
             <a:extLst>
               <a:ext uri="{FF2B5EF4-FFF2-40B4-BE49-F238E27FC236}">
-                <a16:creationId xmlns:a16="http://schemas.microsoft.com/office/drawing/2014/main" xmlns="" id="{636EF871-D9A9-4500-941F-54FEA6E06C34}"/>
+                <a16:creationId xmlns:a16="http://schemas.microsoft.com/office/drawing/2014/main" id="{636EF871-D9A9-4500-941F-54FEA6E06C34}"/>
               </a:ext>
             </a:extLst>
           </p:cNvPr>
@@ -2307,7 +2321,7 @@
           <p:cNvPr id="8" name="Footer Placeholder 7">
             <a:extLst>
               <a:ext uri="{FF2B5EF4-FFF2-40B4-BE49-F238E27FC236}">
-                <a16:creationId xmlns:a16="http://schemas.microsoft.com/office/drawing/2014/main" xmlns="" id="{EBDBE1A7-A357-4093-86FB-C40CC657A315}"/>
+                <a16:creationId xmlns:a16="http://schemas.microsoft.com/office/drawing/2014/main" id="{EBDBE1A7-A357-4093-86FB-C40CC657A315}"/>
               </a:ext>
             </a:extLst>
           </p:cNvPr>
@@ -2332,7 +2346,7 @@
           <p:cNvPr id="9" name="Slide Number Placeholder 8">
             <a:extLst>
               <a:ext uri="{FF2B5EF4-FFF2-40B4-BE49-F238E27FC236}">
-                <a16:creationId xmlns:a16="http://schemas.microsoft.com/office/drawing/2014/main" xmlns="" id="{C8EB69D1-092C-4417-B0CF-0EB4418C4BE9}"/>
+                <a16:creationId xmlns:a16="http://schemas.microsoft.com/office/drawing/2014/main" id="{C8EB69D1-092C-4417-B0CF-0EB4418C4BE9}"/>
               </a:ext>
             </a:extLst>
           </p:cNvPr>
@@ -2360,7 +2374,7 @@
     </p:spTree>
     <p:extLst>
       <p:ext uri="{BB962C8B-B14F-4D97-AF65-F5344CB8AC3E}">
-        <p14:creationId xmlns:p14="http://schemas.microsoft.com/office/powerpoint/2010/main" xmlns="" val="178407463"/>
+        <p14:creationId xmlns:p14="http://schemas.microsoft.com/office/powerpoint/2010/main" val="178407463"/>
       </p:ext>
     </p:extLst>
   </p:cSld>
@@ -2392,7 +2406,7 @@
           <p:cNvPr id="2" name="Title 1">
             <a:extLst>
               <a:ext uri="{FF2B5EF4-FFF2-40B4-BE49-F238E27FC236}">
-                <a16:creationId xmlns:a16="http://schemas.microsoft.com/office/drawing/2014/main" xmlns="" id="{166CC1E3-05E0-40E1-B0B9-E186807C5D77}"/>
+                <a16:creationId xmlns:a16="http://schemas.microsoft.com/office/drawing/2014/main" id="{166CC1E3-05E0-40E1-B0B9-E186807C5D77}"/>
               </a:ext>
             </a:extLst>
           </p:cNvPr>
@@ -2421,7 +2435,7 @@
           <p:cNvPr id="3" name="Date Placeholder 2">
             <a:extLst>
               <a:ext uri="{FF2B5EF4-FFF2-40B4-BE49-F238E27FC236}">
-                <a16:creationId xmlns:a16="http://schemas.microsoft.com/office/drawing/2014/main" xmlns="" id="{8469F17D-EA45-4A80-B255-F8465555E803}"/>
+                <a16:creationId xmlns:a16="http://schemas.microsoft.com/office/drawing/2014/main" id="{8469F17D-EA45-4A80-B255-F8465555E803}"/>
               </a:ext>
             </a:extLst>
           </p:cNvPr>
@@ -2451,7 +2465,7 @@
           <p:cNvPr id="4" name="Footer Placeholder 3">
             <a:extLst>
               <a:ext uri="{FF2B5EF4-FFF2-40B4-BE49-F238E27FC236}">
-                <a16:creationId xmlns:a16="http://schemas.microsoft.com/office/drawing/2014/main" xmlns="" id="{DD910F2F-8179-4C07-8B31-524E2F9E636F}"/>
+                <a16:creationId xmlns:a16="http://schemas.microsoft.com/office/drawing/2014/main" id="{DD910F2F-8179-4C07-8B31-524E2F9E636F}"/>
               </a:ext>
             </a:extLst>
           </p:cNvPr>
@@ -2476,7 +2490,7 @@
           <p:cNvPr id="5" name="Slide Number Placeholder 4">
             <a:extLst>
               <a:ext uri="{FF2B5EF4-FFF2-40B4-BE49-F238E27FC236}">
-                <a16:creationId xmlns:a16="http://schemas.microsoft.com/office/drawing/2014/main" xmlns="" id="{A1BA8349-8730-4467-8F1F-9C3E27FB6362}"/>
+                <a16:creationId xmlns:a16="http://schemas.microsoft.com/office/drawing/2014/main" id="{A1BA8349-8730-4467-8F1F-9C3E27FB6362}"/>
               </a:ext>
             </a:extLst>
           </p:cNvPr>
@@ -2504,7 +2518,7 @@
     </p:spTree>
     <p:extLst>
       <p:ext uri="{BB962C8B-B14F-4D97-AF65-F5344CB8AC3E}">
-        <p14:creationId xmlns:p14="http://schemas.microsoft.com/office/powerpoint/2010/main" xmlns="" val="2149931934"/>
+        <p14:creationId xmlns:p14="http://schemas.microsoft.com/office/powerpoint/2010/main" val="2149931934"/>
       </p:ext>
     </p:extLst>
   </p:cSld>
@@ -2536,7 +2550,7 @@
           <p:cNvPr id="2" name="Date Placeholder 1">
             <a:extLst>
               <a:ext uri="{FF2B5EF4-FFF2-40B4-BE49-F238E27FC236}">
-                <a16:creationId xmlns:a16="http://schemas.microsoft.com/office/drawing/2014/main" xmlns="" id="{70CF800E-AFEC-4298-85E4-B87BE189ED05}"/>
+                <a16:creationId xmlns:a16="http://schemas.microsoft.com/office/drawing/2014/main" id="{70CF800E-AFEC-4298-85E4-B87BE189ED05}"/>
               </a:ext>
             </a:extLst>
           </p:cNvPr>
@@ -2566,7 +2580,7 @@
           <p:cNvPr id="3" name="Footer Placeholder 2">
             <a:extLst>
               <a:ext uri="{FF2B5EF4-FFF2-40B4-BE49-F238E27FC236}">
-                <a16:creationId xmlns:a16="http://schemas.microsoft.com/office/drawing/2014/main" xmlns="" id="{A46103EC-F960-4D84-A8A8-A6D0DE8C0E8F}"/>
+                <a16:creationId xmlns:a16="http://schemas.microsoft.com/office/drawing/2014/main" id="{A46103EC-F960-4D84-A8A8-A6D0DE8C0E8F}"/>
               </a:ext>
             </a:extLst>
           </p:cNvPr>
@@ -2591,7 +2605,7 @@
           <p:cNvPr id="4" name="Slide Number Placeholder 3">
             <a:extLst>
               <a:ext uri="{FF2B5EF4-FFF2-40B4-BE49-F238E27FC236}">
-                <a16:creationId xmlns:a16="http://schemas.microsoft.com/office/drawing/2014/main" xmlns="" id="{66FA3FA3-E6EB-47FD-914E-22BF9DA88E2D}"/>
+                <a16:creationId xmlns:a16="http://schemas.microsoft.com/office/drawing/2014/main" id="{66FA3FA3-E6EB-47FD-914E-22BF9DA88E2D}"/>
               </a:ext>
             </a:extLst>
           </p:cNvPr>
@@ -2619,7 +2633,7 @@
     </p:spTree>
     <p:extLst>
       <p:ext uri="{BB962C8B-B14F-4D97-AF65-F5344CB8AC3E}">
-        <p14:creationId xmlns:p14="http://schemas.microsoft.com/office/powerpoint/2010/main" xmlns="" val="3057136016"/>
+        <p14:creationId xmlns:p14="http://schemas.microsoft.com/office/powerpoint/2010/main" val="3057136016"/>
       </p:ext>
     </p:extLst>
   </p:cSld>
@@ -2651,7 +2665,7 @@
           <p:cNvPr id="2" name="Title 1">
             <a:extLst>
               <a:ext uri="{FF2B5EF4-FFF2-40B4-BE49-F238E27FC236}">
-                <a16:creationId xmlns:a16="http://schemas.microsoft.com/office/drawing/2014/main" xmlns="" id="{482C7358-0F5E-46EA-AB88-A2540DF13A7F}"/>
+                <a16:creationId xmlns:a16="http://schemas.microsoft.com/office/drawing/2014/main" id="{482C7358-0F5E-46EA-AB88-A2540DF13A7F}"/>
               </a:ext>
             </a:extLst>
           </p:cNvPr>
@@ -2689,7 +2703,7 @@
           <p:cNvPr id="3" name="Content Placeholder 2">
             <a:extLst>
               <a:ext uri="{FF2B5EF4-FFF2-40B4-BE49-F238E27FC236}">
-                <a16:creationId xmlns:a16="http://schemas.microsoft.com/office/drawing/2014/main" xmlns="" id="{62EAD3D6-0D2E-4ABC-B6C6-502F9D6D16A5}"/>
+                <a16:creationId xmlns:a16="http://schemas.microsoft.com/office/drawing/2014/main" id="{62EAD3D6-0D2E-4ABC-B6C6-502F9D6D16A5}"/>
               </a:ext>
             </a:extLst>
           </p:cNvPr>
@@ -2780,7 +2794,7 @@
           <p:cNvPr id="4" name="Text Placeholder 3">
             <a:extLst>
               <a:ext uri="{FF2B5EF4-FFF2-40B4-BE49-F238E27FC236}">
-                <a16:creationId xmlns:a16="http://schemas.microsoft.com/office/drawing/2014/main" xmlns="" id="{5F941ADA-4E62-404F-91EE-5F4BD8954C70}"/>
+                <a16:creationId xmlns:a16="http://schemas.microsoft.com/office/drawing/2014/main" id="{5F941ADA-4E62-404F-91EE-5F4BD8954C70}"/>
               </a:ext>
             </a:extLst>
           </p:cNvPr>
@@ -2851,7 +2865,7 @@
           <p:cNvPr id="5" name="Date Placeholder 4">
             <a:extLst>
               <a:ext uri="{FF2B5EF4-FFF2-40B4-BE49-F238E27FC236}">
-                <a16:creationId xmlns:a16="http://schemas.microsoft.com/office/drawing/2014/main" xmlns="" id="{7E62004A-7C98-476F-B1A5-5B3E2D230418}"/>
+                <a16:creationId xmlns:a16="http://schemas.microsoft.com/office/drawing/2014/main" id="{7E62004A-7C98-476F-B1A5-5B3E2D230418}"/>
               </a:ext>
             </a:extLst>
           </p:cNvPr>
@@ -2881,7 +2895,7 @@
           <p:cNvPr id="6" name="Footer Placeholder 5">
             <a:extLst>
               <a:ext uri="{FF2B5EF4-FFF2-40B4-BE49-F238E27FC236}">
-                <a16:creationId xmlns:a16="http://schemas.microsoft.com/office/drawing/2014/main" xmlns="" id="{E31D40C5-C1E7-4088-940C-BEB43B1B58FB}"/>
+                <a16:creationId xmlns:a16="http://schemas.microsoft.com/office/drawing/2014/main" id="{E31D40C5-C1E7-4088-940C-BEB43B1B58FB}"/>
               </a:ext>
             </a:extLst>
           </p:cNvPr>
@@ -2906,7 +2920,7 @@
           <p:cNvPr id="7" name="Slide Number Placeholder 6">
             <a:extLst>
               <a:ext uri="{FF2B5EF4-FFF2-40B4-BE49-F238E27FC236}">
-                <a16:creationId xmlns:a16="http://schemas.microsoft.com/office/drawing/2014/main" xmlns="" id="{2AAE2816-1FDC-4D29-84F2-6B1496672F30}"/>
+                <a16:creationId xmlns:a16="http://schemas.microsoft.com/office/drawing/2014/main" id="{2AAE2816-1FDC-4D29-84F2-6B1496672F30}"/>
               </a:ext>
             </a:extLst>
           </p:cNvPr>
@@ -2934,7 +2948,7 @@
     </p:spTree>
     <p:extLst>
       <p:ext uri="{BB962C8B-B14F-4D97-AF65-F5344CB8AC3E}">
-        <p14:creationId xmlns:p14="http://schemas.microsoft.com/office/powerpoint/2010/main" xmlns="" val="4028783936"/>
+        <p14:creationId xmlns:p14="http://schemas.microsoft.com/office/powerpoint/2010/main" val="4028783936"/>
       </p:ext>
     </p:extLst>
   </p:cSld>
@@ -2966,7 +2980,7 @@
           <p:cNvPr id="2" name="Title 1">
             <a:extLst>
               <a:ext uri="{FF2B5EF4-FFF2-40B4-BE49-F238E27FC236}">
-                <a16:creationId xmlns:a16="http://schemas.microsoft.com/office/drawing/2014/main" xmlns="" id="{677E201E-D4AD-4C1A-9FA8-6C74D1582EDA}"/>
+                <a16:creationId xmlns:a16="http://schemas.microsoft.com/office/drawing/2014/main" id="{677E201E-D4AD-4C1A-9FA8-6C74D1582EDA}"/>
               </a:ext>
             </a:extLst>
           </p:cNvPr>
@@ -3004,7 +3018,7 @@
           <p:cNvPr id="3" name="Picture Placeholder 2">
             <a:extLst>
               <a:ext uri="{FF2B5EF4-FFF2-40B4-BE49-F238E27FC236}">
-                <a16:creationId xmlns:a16="http://schemas.microsoft.com/office/drawing/2014/main" xmlns="" id="{68D213B9-4AC1-40DF-9031-21E4268F2CDE}"/>
+                <a16:creationId xmlns:a16="http://schemas.microsoft.com/office/drawing/2014/main" id="{68D213B9-4AC1-40DF-9031-21E4268F2CDE}"/>
               </a:ext>
             </a:extLst>
           </p:cNvPr>
@@ -3071,7 +3085,7 @@
           <p:cNvPr id="4" name="Text Placeholder 3">
             <a:extLst>
               <a:ext uri="{FF2B5EF4-FFF2-40B4-BE49-F238E27FC236}">
-                <a16:creationId xmlns:a16="http://schemas.microsoft.com/office/drawing/2014/main" xmlns="" id="{1276F9A1-F30C-4893-AD06-55F3E0CC32A2}"/>
+                <a16:creationId xmlns:a16="http://schemas.microsoft.com/office/drawing/2014/main" id="{1276F9A1-F30C-4893-AD06-55F3E0CC32A2}"/>
               </a:ext>
             </a:extLst>
           </p:cNvPr>
@@ -3142,7 +3156,7 @@
           <p:cNvPr id="5" name="Date Placeholder 4">
             <a:extLst>
               <a:ext uri="{FF2B5EF4-FFF2-40B4-BE49-F238E27FC236}">
-                <a16:creationId xmlns:a16="http://schemas.microsoft.com/office/drawing/2014/main" xmlns="" id="{922F5FD5-300B-40DC-8246-66D5FA1F3546}"/>
+                <a16:creationId xmlns:a16="http://schemas.microsoft.com/office/drawing/2014/main" id="{922F5FD5-300B-40DC-8246-66D5FA1F3546}"/>
               </a:ext>
             </a:extLst>
           </p:cNvPr>
@@ -3172,7 +3186,7 @@
           <p:cNvPr id="6" name="Footer Placeholder 5">
             <a:extLst>
               <a:ext uri="{FF2B5EF4-FFF2-40B4-BE49-F238E27FC236}">
-                <a16:creationId xmlns:a16="http://schemas.microsoft.com/office/drawing/2014/main" xmlns="" id="{3602EE4A-C5CA-49C6-B22A-52241F900992}"/>
+                <a16:creationId xmlns:a16="http://schemas.microsoft.com/office/drawing/2014/main" id="{3602EE4A-C5CA-49C6-B22A-52241F900992}"/>
               </a:ext>
             </a:extLst>
           </p:cNvPr>
@@ -3197,7 +3211,7 @@
           <p:cNvPr id="7" name="Slide Number Placeholder 6">
             <a:extLst>
               <a:ext uri="{FF2B5EF4-FFF2-40B4-BE49-F238E27FC236}">
-                <a16:creationId xmlns:a16="http://schemas.microsoft.com/office/drawing/2014/main" xmlns="" id="{05041FCD-E987-41CE-B1E5-BB60C34B92F9}"/>
+                <a16:creationId xmlns:a16="http://schemas.microsoft.com/office/drawing/2014/main" id="{05041FCD-E987-41CE-B1E5-BB60C34B92F9}"/>
               </a:ext>
             </a:extLst>
           </p:cNvPr>
@@ -3225,7 +3239,7 @@
     </p:spTree>
     <p:extLst>
       <p:ext uri="{BB962C8B-B14F-4D97-AF65-F5344CB8AC3E}">
-        <p14:creationId xmlns:p14="http://schemas.microsoft.com/office/powerpoint/2010/main" xmlns="" val="3854940931"/>
+        <p14:creationId xmlns:p14="http://schemas.microsoft.com/office/powerpoint/2010/main" val="3854940931"/>
       </p:ext>
     </p:extLst>
   </p:cSld>
@@ -3262,7 +3276,7 @@
           <p:cNvPr id="2" name="Title Placeholder 1">
             <a:extLst>
               <a:ext uri="{FF2B5EF4-FFF2-40B4-BE49-F238E27FC236}">
-                <a16:creationId xmlns:a16="http://schemas.microsoft.com/office/drawing/2014/main" xmlns="" id="{9DA66857-C63A-4391-AB57-41DAB9CC8899}"/>
+                <a16:creationId xmlns:a16="http://schemas.microsoft.com/office/drawing/2014/main" id="{9DA66857-C63A-4391-AB57-41DAB9CC8899}"/>
               </a:ext>
             </a:extLst>
           </p:cNvPr>
@@ -3301,7 +3315,7 @@
           <p:cNvPr id="3" name="Text Placeholder 2">
             <a:extLst>
               <a:ext uri="{FF2B5EF4-FFF2-40B4-BE49-F238E27FC236}">
-                <a16:creationId xmlns:a16="http://schemas.microsoft.com/office/drawing/2014/main" xmlns="" id="{6879C341-7409-47AF-A5CE-EF33005DE1E1}"/>
+                <a16:creationId xmlns:a16="http://schemas.microsoft.com/office/drawing/2014/main" id="{6879C341-7409-47AF-A5CE-EF33005DE1E1}"/>
               </a:ext>
             </a:extLst>
           </p:cNvPr>
@@ -3369,7 +3383,7 @@
           <p:cNvPr id="4" name="Date Placeholder 3">
             <a:extLst>
               <a:ext uri="{FF2B5EF4-FFF2-40B4-BE49-F238E27FC236}">
-                <a16:creationId xmlns:a16="http://schemas.microsoft.com/office/drawing/2014/main" xmlns="" id="{DD3C6F4F-B8E6-47BA-A9CB-2AB631933870}"/>
+                <a16:creationId xmlns:a16="http://schemas.microsoft.com/office/drawing/2014/main" id="{DD3C6F4F-B8E6-47BA-A9CB-2AB631933870}"/>
               </a:ext>
             </a:extLst>
           </p:cNvPr>
@@ -3417,7 +3431,7 @@
           <p:cNvPr id="5" name="Footer Placeholder 4">
             <a:extLst>
               <a:ext uri="{FF2B5EF4-FFF2-40B4-BE49-F238E27FC236}">
-                <a16:creationId xmlns:a16="http://schemas.microsoft.com/office/drawing/2014/main" xmlns="" id="{F68E200A-00D3-4502-BCFA-1861AC17BDCA}"/>
+                <a16:creationId xmlns:a16="http://schemas.microsoft.com/office/drawing/2014/main" id="{F68E200A-00D3-4502-BCFA-1861AC17BDCA}"/>
               </a:ext>
             </a:extLst>
           </p:cNvPr>
@@ -3460,7 +3474,7 @@
           <p:cNvPr id="6" name="Slide Number Placeholder 5">
             <a:extLst>
               <a:ext uri="{FF2B5EF4-FFF2-40B4-BE49-F238E27FC236}">
-                <a16:creationId xmlns:a16="http://schemas.microsoft.com/office/drawing/2014/main" xmlns="" id="{0F3E6E93-ACC2-4D4C-98A9-1C6C1D8D61DA}"/>
+                <a16:creationId xmlns:a16="http://schemas.microsoft.com/office/drawing/2014/main" id="{0F3E6E93-ACC2-4D4C-98A9-1C6C1D8D61DA}"/>
               </a:ext>
             </a:extLst>
           </p:cNvPr>
@@ -3506,7 +3520,7 @@
     </p:spTree>
     <p:extLst>
       <p:ext uri="{BB962C8B-B14F-4D97-AF65-F5344CB8AC3E}">
-        <p14:creationId xmlns:p14="http://schemas.microsoft.com/office/powerpoint/2010/main" xmlns="" val="505340880"/>
+        <p14:creationId xmlns:p14="http://schemas.microsoft.com/office/powerpoint/2010/main" val="505340880"/>
       </p:ext>
     </p:extLst>
   </p:cSld>
@@ -3837,7 +3851,7 @@
           <p:cNvPr id="44" name="Rectangle 43">
             <a:extLst>
               <a:ext uri="{FF2B5EF4-FFF2-40B4-BE49-F238E27FC236}">
-                <a16:creationId xmlns:a16="http://schemas.microsoft.com/office/drawing/2014/main" xmlns="" id="{94CFA5FD-18DE-4A1A-A7D4-2B6FACB493D6}"/>
+                <a16:creationId xmlns:a16="http://schemas.microsoft.com/office/drawing/2014/main" id="{94CFA5FD-18DE-4A1A-A7D4-2B6FACB493D6}"/>
               </a:ext>
             </a:extLst>
           </p:cNvPr>
@@ -3893,7 +3907,7 @@
           <p:cNvPr id="4" name="Picture 3">
             <a:extLst>
               <a:ext uri="{FF2B5EF4-FFF2-40B4-BE49-F238E27FC236}">
-                <a16:creationId xmlns:a16="http://schemas.microsoft.com/office/drawing/2014/main" xmlns="" id="{CBFAE590-ADDE-46AF-8929-AC38BC686496}"/>
+                <a16:creationId xmlns:a16="http://schemas.microsoft.com/office/drawing/2014/main" id="{CBFAE590-ADDE-46AF-8929-AC38BC686496}"/>
               </a:ext>
             </a:extLst>
           </p:cNvPr>
@@ -3923,7 +3937,7 @@
           <p:cNvPr id="40" name="Group 39">
             <a:extLst>
               <a:ext uri="{FF2B5EF4-FFF2-40B4-BE49-F238E27FC236}">
-                <a16:creationId xmlns:a16="http://schemas.microsoft.com/office/drawing/2014/main" xmlns="" id="{98B0A5E6-8FBF-4967-B9C1-F7A7982FE808}"/>
+                <a16:creationId xmlns:a16="http://schemas.microsoft.com/office/drawing/2014/main" id="{98B0A5E6-8FBF-4967-B9C1-F7A7982FE808}"/>
               </a:ext>
             </a:extLst>
           </p:cNvPr>
@@ -3944,7 +3958,7 @@
             <p:cNvPr id="39" name="Rectangle 38">
               <a:extLst>
                 <a:ext uri="{FF2B5EF4-FFF2-40B4-BE49-F238E27FC236}">
-                  <a16:creationId xmlns:a16="http://schemas.microsoft.com/office/drawing/2014/main" xmlns="" id="{DCCD6044-4427-4F00-99C7-C9EA1F98CF67}"/>
+                  <a16:creationId xmlns:a16="http://schemas.microsoft.com/office/drawing/2014/main" id="{DCCD6044-4427-4F00-99C7-C9EA1F98CF67}"/>
                 </a:ext>
               </a:extLst>
             </p:cNvPr>
@@ -4003,7 +4017,7 @@
             <p:cNvPr id="6" name="Picture 5">
               <a:extLst>
                 <a:ext uri="{FF2B5EF4-FFF2-40B4-BE49-F238E27FC236}">
-                  <a16:creationId xmlns:a16="http://schemas.microsoft.com/office/drawing/2014/main" xmlns="" id="{B8F68A0C-1899-48E7-9CC7-B0B08C70CC3E}"/>
+                  <a16:creationId xmlns:a16="http://schemas.microsoft.com/office/drawing/2014/main" id="{B8F68A0C-1899-48E7-9CC7-B0B08C70CC3E}"/>
                 </a:ext>
               </a:extLst>
             </p:cNvPr>
@@ -4033,7 +4047,7 @@
             <p:cNvPr id="38" name="Group 37">
               <a:extLst>
                 <a:ext uri="{FF2B5EF4-FFF2-40B4-BE49-F238E27FC236}">
-                  <a16:creationId xmlns:a16="http://schemas.microsoft.com/office/drawing/2014/main" xmlns="" id="{4A3E7578-0E91-41CE-9986-BB35E0956A95}"/>
+                  <a16:creationId xmlns:a16="http://schemas.microsoft.com/office/drawing/2014/main" id="{4A3E7578-0E91-41CE-9986-BB35E0956A95}"/>
                 </a:ext>
               </a:extLst>
             </p:cNvPr>
@@ -4053,7 +4067,7 @@
               <p:cNvPr id="37" name="Rectangle 36">
                 <a:extLst>
                   <a:ext uri="{FF2B5EF4-FFF2-40B4-BE49-F238E27FC236}">
-                    <a16:creationId xmlns:a16="http://schemas.microsoft.com/office/drawing/2014/main" xmlns="" id="{0539B21B-F543-444A-B310-76DB0260E0A4}"/>
+                    <a16:creationId xmlns:a16="http://schemas.microsoft.com/office/drawing/2014/main" id="{0539B21B-F543-444A-B310-76DB0260E0A4}"/>
                   </a:ext>
                 </a:extLst>
               </p:cNvPr>
@@ -4112,7 +4126,7 @@
               <p:cNvPr id="26" name="Picture 25">
                 <a:extLst>
                   <a:ext uri="{FF2B5EF4-FFF2-40B4-BE49-F238E27FC236}">
-                    <a16:creationId xmlns:a16="http://schemas.microsoft.com/office/drawing/2014/main" xmlns="" id="{0BAB5701-6007-4EF9-99EB-DB2D61D7EE5A}"/>
+                    <a16:creationId xmlns:a16="http://schemas.microsoft.com/office/drawing/2014/main" id="{0BAB5701-6007-4EF9-99EB-DB2D61D7EE5A}"/>
                   </a:ext>
                 </a:extLst>
               </p:cNvPr>
@@ -4125,7 +4139,7 @@
               <a:blip r:embed="rId5" cstate="print">
                 <a:extLst>
                   <a:ext uri="{28A0092B-C50C-407E-A947-70E740481C1C}">
-                    <a14:useLocalDpi xmlns:a14="http://schemas.microsoft.com/office/drawing/2010/main" xmlns="" val="0"/>
+                    <a14:useLocalDpi xmlns:a14="http://schemas.microsoft.com/office/drawing/2010/main" val="0"/>
                   </a:ext>
                 </a:extLst>
               </a:blip>
@@ -4149,7 +4163,7 @@
               <p:cNvPr id="28" name="Picture 27">
                 <a:extLst>
                   <a:ext uri="{FF2B5EF4-FFF2-40B4-BE49-F238E27FC236}">
-                    <a16:creationId xmlns:a16="http://schemas.microsoft.com/office/drawing/2014/main" xmlns="" id="{C36C4144-1C43-4134-8FA7-A59B950E9130}"/>
+                    <a16:creationId xmlns:a16="http://schemas.microsoft.com/office/drawing/2014/main" id="{C36C4144-1C43-4134-8FA7-A59B950E9130}"/>
                   </a:ext>
                 </a:extLst>
               </p:cNvPr>
@@ -4162,7 +4176,7 @@
               <a:blip r:embed="rId6" cstate="print">
                 <a:extLst>
                   <a:ext uri="{28A0092B-C50C-407E-A947-70E740481C1C}">
-                    <a14:useLocalDpi xmlns:a14="http://schemas.microsoft.com/office/drawing/2010/main" xmlns="" val="0"/>
+                    <a14:useLocalDpi xmlns:a14="http://schemas.microsoft.com/office/drawing/2010/main" val="0"/>
                   </a:ext>
                 </a:extLst>
               </a:blip>
@@ -4188,7 +4202,7 @@
               <p:cNvPr id="34" name="Picture 33">
                 <a:extLst>
                   <a:ext uri="{FF2B5EF4-FFF2-40B4-BE49-F238E27FC236}">
-                    <a16:creationId xmlns:a16="http://schemas.microsoft.com/office/drawing/2014/main" xmlns="" id="{A1D7169B-019F-440B-9F14-CD351B4A0E67}"/>
+                    <a16:creationId xmlns:a16="http://schemas.microsoft.com/office/drawing/2014/main" id="{A1D7169B-019F-440B-9F14-CD351B4A0E67}"/>
                   </a:ext>
                 </a:extLst>
               </p:cNvPr>
@@ -4201,7 +4215,7 @@
               <a:blip r:embed="rId7" cstate="print">
                 <a:extLst>
                   <a:ext uri="{28A0092B-C50C-407E-A947-70E740481C1C}">
-                    <a14:useLocalDpi xmlns:a14="http://schemas.microsoft.com/office/drawing/2010/main" xmlns="" val="0"/>
+                    <a14:useLocalDpi xmlns:a14="http://schemas.microsoft.com/office/drawing/2010/main" val="0"/>
                   </a:ext>
                 </a:extLst>
               </a:blip>
@@ -4224,7 +4238,7 @@
               <p:cNvPr id="36" name="Picture 35">
                 <a:extLst>
                   <a:ext uri="{FF2B5EF4-FFF2-40B4-BE49-F238E27FC236}">
-                    <a16:creationId xmlns:a16="http://schemas.microsoft.com/office/drawing/2014/main" xmlns="" id="{ABC66819-E11B-4FB5-B662-4816C51C4D11}"/>
+                    <a16:creationId xmlns:a16="http://schemas.microsoft.com/office/drawing/2014/main" id="{ABC66819-E11B-4FB5-B662-4816C51C4D11}"/>
                   </a:ext>
                 </a:extLst>
               </p:cNvPr>
@@ -4237,7 +4251,7 @@
               <a:blip r:embed="rId8" cstate="print">
                 <a:extLst>
                   <a:ext uri="{28A0092B-C50C-407E-A947-70E740481C1C}">
-                    <a14:useLocalDpi xmlns:a14="http://schemas.microsoft.com/office/drawing/2010/main" xmlns="" val="0"/>
+                    <a14:useLocalDpi xmlns:a14="http://schemas.microsoft.com/office/drawing/2010/main" val="0"/>
                   </a:ext>
                 </a:extLst>
               </a:blip>
@@ -4260,20 +4274,13 @@
     </p:spTree>
     <p:extLst>
       <p:ext uri="{BB962C8B-B14F-4D97-AF65-F5344CB8AC3E}">
-        <p14:creationId xmlns:p14="http://schemas.microsoft.com/office/powerpoint/2010/main" xmlns="" val="2138242594"/>
+        <p14:creationId xmlns:p14="http://schemas.microsoft.com/office/powerpoint/2010/main" val="2138242594"/>
       </p:ext>
     </p:extLst>
   </p:cSld>
   <p:clrMapOvr>
     <a:masterClrMapping/>
   </p:clrMapOvr>
-  <p:timing>
-    <p:tnLst>
-      <p:par>
-        <p:cTn id="1" dur="indefinite" restart="never" nodeType="tmRoot"/>
-      </p:par>
-    </p:tnLst>
-  </p:timing>
 </p:sld>
 </file>
 
@@ -4310,15 +4317,15 @@
           <a:lstStyle/>
           <a:p>
             <a:r>
-              <a:rPr lang="uk-UA" dirty="0" err="1" smtClean="0"/>
+              <a:rPr lang="uk-UA" dirty="0" err="1"/>
               <a:t>Скріншот</a:t>
             </a:r>
             <a:r>
-              <a:rPr lang="uk-UA" dirty="0" smtClean="0"/>
+              <a:rPr lang="uk-UA" dirty="0"/>
               <a:t> з </a:t>
             </a:r>
             <a:r>
-              <a:rPr lang="uk-UA" dirty="0" err="1" smtClean="0"/>
+              <a:rPr lang="uk-UA" dirty="0" err="1"/>
               <a:t>трелло</a:t>
             </a:r>
             <a:endParaRPr lang="uk-UA" dirty="0"/>
@@ -4368,13 +4375,6 @@
   <p:clrMapOvr>
     <a:masterClrMapping/>
   </p:clrMapOvr>
-  <p:timing>
-    <p:tnLst>
-      <p:par>
-        <p:cTn id="1" dur="indefinite" restart="never" nodeType="tmRoot"/>
-      </p:par>
-    </p:tnLst>
-  </p:timing>
 </p:sld>
 </file>
 
@@ -4408,7 +4408,7 @@
           <p:cNvPr id="2" name="Title 1">
             <a:extLst>
               <a:ext uri="{FF2B5EF4-FFF2-40B4-BE49-F238E27FC236}">
-                <a16:creationId xmlns:a16="http://schemas.microsoft.com/office/drawing/2014/main" xmlns="" id="{4094A1A8-4156-41A2-A803-6D36AADB6C50}"/>
+                <a16:creationId xmlns:a16="http://schemas.microsoft.com/office/drawing/2014/main" id="{4094A1A8-4156-41A2-A803-6D36AADB6C50}"/>
               </a:ext>
             </a:extLst>
           </p:cNvPr>
@@ -4451,7 +4451,7 @@
           <p:cNvPr id="3" name="Content Placeholder 2">
             <a:extLst>
               <a:ext uri="{FF2B5EF4-FFF2-40B4-BE49-F238E27FC236}">
-                <a16:creationId xmlns:a16="http://schemas.microsoft.com/office/drawing/2014/main" xmlns="" id="{67DFDCA4-5959-4270-8C31-B63209110C0A}"/>
+                <a16:creationId xmlns:a16="http://schemas.microsoft.com/office/drawing/2014/main" id="{67DFDCA4-5959-4270-8C31-B63209110C0A}"/>
               </a:ext>
             </a:extLst>
           </p:cNvPr>
@@ -4470,7 +4470,7 @@
         </p:spPr>
         <p:txBody>
           <a:bodyPr>
-            <a:normAutofit lnSpcReduction="10000"/>
+            <a:normAutofit/>
           </a:bodyPr>
           <a:lstStyle/>
           <a:p>
@@ -4546,7 +4546,7 @@
               <a:t> </a:t>
             </a:r>
             <a:r>
-              <a:rPr lang="en-US" dirty="0" err="1" smtClean="0">
+              <a:rPr lang="en-US" dirty="0" err="1">
                 <a:solidFill>
                   <a:schemeClr val="bg1"/>
                 </a:solidFill>
@@ -4554,29 +4554,7 @@
                 <a:ea typeface="Lato Hairline" panose="020F0502020204030203" pitchFamily="34" charset="0"/>
                 <a:cs typeface="Lato Hairline" panose="020F0502020204030203" pitchFamily="34" charset="0"/>
               </a:rPr>
-              <a:t>Vlad</a:t>
-            </a:r>
-            <a:r>
-              <a:rPr lang="en-US" dirty="0" err="1" smtClean="0">
-                <a:solidFill>
-                  <a:schemeClr val="bg1"/>
-                </a:solidFill>
-                <a:latin typeface="Lato Hairline" panose="020F0502020204030203" pitchFamily="34" charset="0"/>
-                <a:ea typeface="Lato Hairline" panose="020F0502020204030203" pitchFamily="34" charset="0"/>
-                <a:cs typeface="Lato Hairline" panose="020F0502020204030203" pitchFamily="34" charset="0"/>
-              </a:rPr>
-              <a:t>y</a:t>
-            </a:r>
-            <a:r>
-              <a:rPr lang="en-US" dirty="0" err="1" smtClean="0">
-                <a:solidFill>
-                  <a:schemeClr val="bg1"/>
-                </a:solidFill>
-                <a:latin typeface="Lato Hairline" panose="020F0502020204030203" pitchFamily="34" charset="0"/>
-                <a:ea typeface="Lato Hairline" panose="020F0502020204030203" pitchFamily="34" charset="0"/>
-                <a:cs typeface="Lato Hairline" panose="020F0502020204030203" pitchFamily="34" charset="0"/>
-              </a:rPr>
-              <a:t>slav</a:t>
+              <a:t>Vladyslav</a:t>
             </a:r>
             <a:endParaRPr lang="en-US" dirty="0">
               <a:solidFill>
@@ -4638,7 +4616,7 @@
               <a:buNone/>
             </a:pPr>
             <a:r>
-              <a:rPr lang="en-US" dirty="0" err="1" smtClean="0">
+              <a:rPr lang="en-US" dirty="0" err="1">
                 <a:solidFill>
                   <a:schemeClr val="bg1"/>
                 </a:solidFill>
@@ -4649,7 +4627,7 @@
               <a:t>Chycherskiy</a:t>
             </a:r>
             <a:r>
-              <a:rPr lang="en-US" dirty="0" smtClean="0">
+              <a:rPr lang="en-US" dirty="0">
                 <a:solidFill>
                   <a:schemeClr val="bg1"/>
                 </a:solidFill>
@@ -4775,10 +4753,6 @@
               </a:rPr>
               <a:t>Yaroslav</a:t>
             </a:r>
-            <a:r>
-              <a:rPr lang="en-US" dirty="0"/>
-              <a:t/>
-            </a:r>
             <a:br>
               <a:rPr lang="en-US" dirty="0"/>
             </a:br>
@@ -4797,7 +4771,7 @@
           <p:cNvPr id="5" name="TextBox 4">
             <a:extLst>
               <a:ext uri="{FF2B5EF4-FFF2-40B4-BE49-F238E27FC236}">
-                <a16:creationId xmlns:a16="http://schemas.microsoft.com/office/drawing/2014/main" xmlns="" id="{1D027F69-DA29-4A49-9CE2-BEBF71DF8017}"/>
+                <a16:creationId xmlns:a16="http://schemas.microsoft.com/office/drawing/2014/main" id="{1D027F69-DA29-4A49-9CE2-BEBF71DF8017}"/>
               </a:ext>
             </a:extLst>
           </p:cNvPr>
@@ -4806,7 +4780,7 @@
         </p:nvSpPr>
         <p:spPr>
           <a:xfrm>
-            <a:off x="856129" y="4578116"/>
+            <a:off x="838200" y="4419091"/>
             <a:ext cx="2150660" cy="369332"/>
           </a:xfrm>
           <a:prstGeom prst="rect">
@@ -4841,7 +4815,7 @@
           <p:cNvPr id="21" name="Group 20">
             <a:extLst>
               <a:ext uri="{FF2B5EF4-FFF2-40B4-BE49-F238E27FC236}">
-                <a16:creationId xmlns:a16="http://schemas.microsoft.com/office/drawing/2014/main" xmlns="" id="{75CA25A4-5342-41AC-A20D-3B06B9A319A3}"/>
+                <a16:creationId xmlns:a16="http://schemas.microsoft.com/office/drawing/2014/main" id="{75CA25A4-5342-41AC-A20D-3B06B9A319A3}"/>
               </a:ext>
             </a:extLst>
           </p:cNvPr>
@@ -4866,7 +4840,7 @@
             <p:cNvPr id="10" name="Isosceles Triangle 9">
               <a:extLst>
                 <a:ext uri="{FF2B5EF4-FFF2-40B4-BE49-F238E27FC236}">
-                  <a16:creationId xmlns:a16="http://schemas.microsoft.com/office/drawing/2014/main" xmlns="" id="{272DBF77-E01F-49D8-8670-D763EDEDEA4F}"/>
+                  <a16:creationId xmlns:a16="http://schemas.microsoft.com/office/drawing/2014/main" id="{272DBF77-E01F-49D8-8670-D763EDEDEA4F}"/>
                 </a:ext>
               </a:extLst>
             </p:cNvPr>
@@ -4916,7 +4890,7 @@
             <p:cNvPr id="11" name="Isosceles Triangle 10">
               <a:extLst>
                 <a:ext uri="{FF2B5EF4-FFF2-40B4-BE49-F238E27FC236}">
-                  <a16:creationId xmlns:a16="http://schemas.microsoft.com/office/drawing/2014/main" xmlns="" id="{534E854C-968A-42EE-99C8-1A45D3841BB0}"/>
+                  <a16:creationId xmlns:a16="http://schemas.microsoft.com/office/drawing/2014/main" id="{534E854C-968A-42EE-99C8-1A45D3841BB0}"/>
                 </a:ext>
               </a:extLst>
             </p:cNvPr>
@@ -4966,7 +4940,7 @@
             <p:cNvPr id="12" name="Isosceles Triangle 11">
               <a:extLst>
                 <a:ext uri="{FF2B5EF4-FFF2-40B4-BE49-F238E27FC236}">
-                  <a16:creationId xmlns:a16="http://schemas.microsoft.com/office/drawing/2014/main" xmlns="" id="{A02F3417-8EB6-4509-B2B6-52B0C0688D69}"/>
+                  <a16:creationId xmlns:a16="http://schemas.microsoft.com/office/drawing/2014/main" id="{A02F3417-8EB6-4509-B2B6-52B0C0688D69}"/>
                 </a:ext>
               </a:extLst>
             </p:cNvPr>
@@ -5016,7 +4990,7 @@
             <p:cNvPr id="13" name="Isosceles Triangle 12">
               <a:extLst>
                 <a:ext uri="{FF2B5EF4-FFF2-40B4-BE49-F238E27FC236}">
-                  <a16:creationId xmlns:a16="http://schemas.microsoft.com/office/drawing/2014/main" xmlns="" id="{D3FB0EC7-AEFE-4266-A2F3-F658E0A23A66}"/>
+                  <a16:creationId xmlns:a16="http://schemas.microsoft.com/office/drawing/2014/main" id="{D3FB0EC7-AEFE-4266-A2F3-F658E0A23A66}"/>
                 </a:ext>
               </a:extLst>
             </p:cNvPr>
@@ -5066,7 +5040,7 @@
             <p:cNvPr id="14" name="Isosceles Triangle 13">
               <a:extLst>
                 <a:ext uri="{FF2B5EF4-FFF2-40B4-BE49-F238E27FC236}">
-                  <a16:creationId xmlns:a16="http://schemas.microsoft.com/office/drawing/2014/main" xmlns="" id="{960ED4D2-89E5-4774-AEDF-8B52937CEDF0}"/>
+                  <a16:creationId xmlns:a16="http://schemas.microsoft.com/office/drawing/2014/main" id="{960ED4D2-89E5-4774-AEDF-8B52937CEDF0}"/>
                 </a:ext>
               </a:extLst>
             </p:cNvPr>
@@ -5116,7 +5090,7 @@
             <p:cNvPr id="15" name="Isosceles Triangle 14">
               <a:extLst>
                 <a:ext uri="{FF2B5EF4-FFF2-40B4-BE49-F238E27FC236}">
-                  <a16:creationId xmlns:a16="http://schemas.microsoft.com/office/drawing/2014/main" xmlns="" id="{FBF52145-8DB7-4672-A93F-6D20C66D241E}"/>
+                  <a16:creationId xmlns:a16="http://schemas.microsoft.com/office/drawing/2014/main" id="{FBF52145-8DB7-4672-A93F-6D20C66D241E}"/>
                 </a:ext>
               </a:extLst>
             </p:cNvPr>
@@ -5166,7 +5140,7 @@
             <p:cNvPr id="19" name="Isosceles Triangle 18">
               <a:extLst>
                 <a:ext uri="{FF2B5EF4-FFF2-40B4-BE49-F238E27FC236}">
-                  <a16:creationId xmlns:a16="http://schemas.microsoft.com/office/drawing/2014/main" xmlns="" id="{A85B3293-2FAF-467F-9DA6-2526AE832F9A}"/>
+                  <a16:creationId xmlns:a16="http://schemas.microsoft.com/office/drawing/2014/main" id="{A85B3293-2FAF-467F-9DA6-2526AE832F9A}"/>
                 </a:ext>
               </a:extLst>
             </p:cNvPr>
@@ -5215,20 +5189,13 @@
     </p:spTree>
     <p:extLst>
       <p:ext uri="{BB962C8B-B14F-4D97-AF65-F5344CB8AC3E}">
-        <p14:creationId xmlns:p14="http://schemas.microsoft.com/office/powerpoint/2010/main" xmlns="" val="395393886"/>
+        <p14:creationId xmlns:p14="http://schemas.microsoft.com/office/powerpoint/2010/main" val="395393886"/>
       </p:ext>
     </p:extLst>
   </p:cSld>
   <p:clrMapOvr>
     <a:masterClrMapping/>
   </p:clrMapOvr>
-  <p:timing>
-    <p:tnLst>
-      <p:par>
-        <p:cTn id="1" dur="indefinite" restart="never" nodeType="tmRoot"/>
-      </p:par>
-    </p:tnLst>
-  </p:timing>
 </p:sld>
 </file>
 
@@ -5265,10 +5232,9 @@
           <a:lstStyle/>
           <a:p>
             <a:r>
-              <a:rPr lang="uk-UA" dirty="0" smtClean="0"/>
+              <a:rPr lang="uk-UA" dirty="0"/>
               <a:t>ШОСЬ ПРО ЦНАП</a:t>
             </a:r>
-            <a:endParaRPr lang="uk-UA" dirty="0"/>
           </a:p>
         </p:txBody>
       </p:sp>
@@ -5315,13 +5281,6 @@
   <p:clrMapOvr>
     <a:masterClrMapping/>
   </p:clrMapOvr>
-  <p:timing>
-    <p:tnLst>
-      <p:par>
-        <p:cTn id="1" dur="indefinite" restart="never" nodeType="tmRoot"/>
-      </p:par>
-    </p:tnLst>
-  </p:timing>
 </p:sld>
 </file>
 
@@ -5355,7 +5314,7 @@
           <p:cNvPr id="5" name="Rectangle 4">
             <a:extLst>
               <a:ext uri="{FF2B5EF4-FFF2-40B4-BE49-F238E27FC236}">
-                <a16:creationId xmlns:a16="http://schemas.microsoft.com/office/drawing/2014/main" xmlns="" id="{AFBEFC5C-1ABC-4212-B57E-0D4E830112EB}"/>
+                <a16:creationId xmlns:a16="http://schemas.microsoft.com/office/drawing/2014/main" id="{AFBEFC5C-1ABC-4212-B57E-0D4E830112EB}"/>
               </a:ext>
             </a:extLst>
           </p:cNvPr>
@@ -5409,7 +5368,7 @@
           <p:cNvPr id="6" name="Rectangle 5">
             <a:extLst>
               <a:ext uri="{FF2B5EF4-FFF2-40B4-BE49-F238E27FC236}">
-                <a16:creationId xmlns:a16="http://schemas.microsoft.com/office/drawing/2014/main" xmlns="" id="{95332DC3-229E-41EC-A532-0F23A8997B55}"/>
+                <a16:creationId xmlns:a16="http://schemas.microsoft.com/office/drawing/2014/main" id="{95332DC3-229E-41EC-A532-0F23A8997B55}"/>
               </a:ext>
             </a:extLst>
           </p:cNvPr>
@@ -5463,7 +5422,7 @@
           <p:cNvPr id="8" name="TextBox 7">
             <a:extLst>
               <a:ext uri="{FF2B5EF4-FFF2-40B4-BE49-F238E27FC236}">
-                <a16:creationId xmlns:a16="http://schemas.microsoft.com/office/drawing/2014/main" xmlns="" id="{95E3AF9B-3D95-4CF2-98C8-7F806BEB4336}"/>
+                <a16:creationId xmlns:a16="http://schemas.microsoft.com/office/drawing/2014/main" id="{95E3AF9B-3D95-4CF2-98C8-7F806BEB4336}"/>
               </a:ext>
             </a:extLst>
           </p:cNvPr>
@@ -5508,7 +5467,7 @@
           <p:cNvPr id="9" name="TextBox 8">
             <a:extLst>
               <a:ext uri="{FF2B5EF4-FFF2-40B4-BE49-F238E27FC236}">
-                <a16:creationId xmlns:a16="http://schemas.microsoft.com/office/drawing/2014/main" xmlns="" id="{C0FBD557-469E-43AE-A884-11A19C7E59F5}"/>
+                <a16:creationId xmlns:a16="http://schemas.microsoft.com/office/drawing/2014/main" id="{C0FBD557-469E-43AE-A884-11A19C7E59F5}"/>
               </a:ext>
             </a:extLst>
           </p:cNvPr>
@@ -5558,7 +5517,7 @@
           <p:cNvPr id="10" name="Group 9">
             <a:extLst>
               <a:ext uri="{FF2B5EF4-FFF2-40B4-BE49-F238E27FC236}">
-                <a16:creationId xmlns:a16="http://schemas.microsoft.com/office/drawing/2014/main" xmlns="" id="{A269FFF9-266A-4151-8FC9-059AFDD0EA9C}"/>
+                <a16:creationId xmlns:a16="http://schemas.microsoft.com/office/drawing/2014/main" id="{A269FFF9-266A-4151-8FC9-059AFDD0EA9C}"/>
               </a:ext>
             </a:extLst>
           </p:cNvPr>
@@ -5578,7 +5537,7 @@
             <p:cNvPr id="11" name="Рисунок 2">
               <a:extLst>
                 <a:ext uri="{FF2B5EF4-FFF2-40B4-BE49-F238E27FC236}">
-                  <a16:creationId xmlns:a16="http://schemas.microsoft.com/office/drawing/2014/main" xmlns="" id="{0339B215-3D98-4C11-A925-5D28CB29A401}"/>
+                  <a16:creationId xmlns:a16="http://schemas.microsoft.com/office/drawing/2014/main" id="{0339B215-3D98-4C11-A925-5D28CB29A401}"/>
                 </a:ext>
               </a:extLst>
             </p:cNvPr>
@@ -5607,7 +5566,7 @@
             <p:cNvPr id="12" name="TextBox 11">
               <a:extLst>
                 <a:ext uri="{FF2B5EF4-FFF2-40B4-BE49-F238E27FC236}">
-                  <a16:creationId xmlns:a16="http://schemas.microsoft.com/office/drawing/2014/main" xmlns="" id="{BDCEB4B6-8F2D-427A-A36A-FBF7BCD32DA4}"/>
+                  <a16:creationId xmlns:a16="http://schemas.microsoft.com/office/drawing/2014/main" id="{BDCEB4B6-8F2D-427A-A36A-FBF7BCD32DA4}"/>
                 </a:ext>
               </a:extLst>
             </p:cNvPr>
@@ -5653,7 +5612,7 @@
           <p:cNvPr id="13" name="Group 12">
             <a:extLst>
               <a:ext uri="{FF2B5EF4-FFF2-40B4-BE49-F238E27FC236}">
-                <a16:creationId xmlns:a16="http://schemas.microsoft.com/office/drawing/2014/main" xmlns="" id="{F1A50DA5-F527-48F5-B593-8A3147EF9616}"/>
+                <a16:creationId xmlns:a16="http://schemas.microsoft.com/office/drawing/2014/main" id="{F1A50DA5-F527-48F5-B593-8A3147EF9616}"/>
               </a:ext>
             </a:extLst>
           </p:cNvPr>
@@ -5673,7 +5632,7 @@
             <p:cNvPr id="14" name="Рисунок 1">
               <a:extLst>
                 <a:ext uri="{FF2B5EF4-FFF2-40B4-BE49-F238E27FC236}">
-                  <a16:creationId xmlns:a16="http://schemas.microsoft.com/office/drawing/2014/main" xmlns="" id="{A03CE63E-4D48-43EC-BE83-84994746CCEB}"/>
+                  <a16:creationId xmlns:a16="http://schemas.microsoft.com/office/drawing/2014/main" id="{A03CE63E-4D48-43EC-BE83-84994746CCEB}"/>
                 </a:ext>
               </a:extLst>
             </p:cNvPr>
@@ -5702,7 +5661,7 @@
             <p:cNvPr id="15" name="TextBox 14">
               <a:extLst>
                 <a:ext uri="{FF2B5EF4-FFF2-40B4-BE49-F238E27FC236}">
-                  <a16:creationId xmlns:a16="http://schemas.microsoft.com/office/drawing/2014/main" xmlns="" id="{19F914B9-83AC-41A1-8595-A10AF72D135D}"/>
+                  <a16:creationId xmlns:a16="http://schemas.microsoft.com/office/drawing/2014/main" id="{19F914B9-83AC-41A1-8595-A10AF72D135D}"/>
                 </a:ext>
               </a:extLst>
             </p:cNvPr>
@@ -5748,7 +5707,7 @@
           <p:cNvPr id="17" name="Picture 16">
             <a:extLst>
               <a:ext uri="{FF2B5EF4-FFF2-40B4-BE49-F238E27FC236}">
-                <a16:creationId xmlns:a16="http://schemas.microsoft.com/office/drawing/2014/main" xmlns="" id="{3C0AA990-EEAE-4D6F-AF5E-591A86B94710}"/>
+                <a16:creationId xmlns:a16="http://schemas.microsoft.com/office/drawing/2014/main" id="{3C0AA990-EEAE-4D6F-AF5E-591A86B94710}"/>
               </a:ext>
             </a:extLst>
           </p:cNvPr>
@@ -5761,7 +5720,7 @@
           <a:blip r:embed="rId4" cstate="print">
             <a:extLst>
               <a:ext uri="{28A0092B-C50C-407E-A947-70E740481C1C}">
-                <a14:useLocalDpi xmlns:a14="http://schemas.microsoft.com/office/drawing/2010/main" xmlns="" val="0"/>
+                <a14:useLocalDpi xmlns:a14="http://schemas.microsoft.com/office/drawing/2010/main" val="0"/>
               </a:ext>
             </a:extLst>
           </a:blip>
@@ -5784,7 +5743,7 @@
           <p:cNvPr id="18" name="Straight Connector 17">
             <a:extLst>
               <a:ext uri="{FF2B5EF4-FFF2-40B4-BE49-F238E27FC236}">
-                <a16:creationId xmlns:a16="http://schemas.microsoft.com/office/drawing/2014/main" xmlns="" id="{1DC905F0-82BA-4994-B627-3ED8495E12AE}"/>
+                <a16:creationId xmlns:a16="http://schemas.microsoft.com/office/drawing/2014/main" id="{1DC905F0-82BA-4994-B627-3ED8495E12AE}"/>
               </a:ext>
             </a:extLst>
           </p:cNvPr>
@@ -5831,7 +5790,7 @@
           <p:cNvPr id="19" name="Group 18">
             <a:extLst>
               <a:ext uri="{FF2B5EF4-FFF2-40B4-BE49-F238E27FC236}">
-                <a16:creationId xmlns:a16="http://schemas.microsoft.com/office/drawing/2014/main" xmlns="" id="{ED4B2D07-CA8D-4E15-AD09-D689315467E5}"/>
+                <a16:creationId xmlns:a16="http://schemas.microsoft.com/office/drawing/2014/main" id="{ED4B2D07-CA8D-4E15-AD09-D689315467E5}"/>
               </a:ext>
             </a:extLst>
           </p:cNvPr>
@@ -5851,7 +5810,7 @@
             <p:cNvPr id="20" name="Стрелка вправо 6">
               <a:extLst>
                 <a:ext uri="{FF2B5EF4-FFF2-40B4-BE49-F238E27FC236}">
-                  <a16:creationId xmlns:a16="http://schemas.microsoft.com/office/drawing/2014/main" xmlns="" id="{6937CA2F-D520-4B6D-AF13-00ABA596ED18}"/>
+                  <a16:creationId xmlns:a16="http://schemas.microsoft.com/office/drawing/2014/main" id="{6937CA2F-D520-4B6D-AF13-00ABA596ED18}"/>
                 </a:ext>
               </a:extLst>
             </p:cNvPr>
@@ -5900,7 +5859,7 @@
             <p:cNvPr id="21" name="Стрелка влево 7">
               <a:extLst>
                 <a:ext uri="{FF2B5EF4-FFF2-40B4-BE49-F238E27FC236}">
-                  <a16:creationId xmlns:a16="http://schemas.microsoft.com/office/drawing/2014/main" xmlns="" id="{43A72602-E207-42DA-9D87-062C7920ACAE}"/>
+                  <a16:creationId xmlns:a16="http://schemas.microsoft.com/office/drawing/2014/main" id="{43A72602-E207-42DA-9D87-062C7920ACAE}"/>
                 </a:ext>
               </a:extLst>
             </p:cNvPr>
@@ -5950,7 +5909,7 @@
           <p:cNvPr id="22" name="Group 21">
             <a:extLst>
               <a:ext uri="{FF2B5EF4-FFF2-40B4-BE49-F238E27FC236}">
-                <a16:creationId xmlns:a16="http://schemas.microsoft.com/office/drawing/2014/main" xmlns="" id="{E8FC48B4-F466-4C76-89E8-D3AF01FA9C21}"/>
+                <a16:creationId xmlns:a16="http://schemas.microsoft.com/office/drawing/2014/main" id="{E8FC48B4-F466-4C76-89E8-D3AF01FA9C21}"/>
               </a:ext>
             </a:extLst>
           </p:cNvPr>
@@ -5970,7 +5929,7 @@
             <p:cNvPr id="23" name="Стрелка вправо 6">
               <a:extLst>
                 <a:ext uri="{FF2B5EF4-FFF2-40B4-BE49-F238E27FC236}">
-                  <a16:creationId xmlns:a16="http://schemas.microsoft.com/office/drawing/2014/main" xmlns="" id="{56352FE0-57F9-4B5C-8FF6-370130976CCD}"/>
+                  <a16:creationId xmlns:a16="http://schemas.microsoft.com/office/drawing/2014/main" id="{56352FE0-57F9-4B5C-8FF6-370130976CCD}"/>
                 </a:ext>
               </a:extLst>
             </p:cNvPr>
@@ -6019,7 +5978,7 @@
             <p:cNvPr id="24" name="Стрелка влево 7">
               <a:extLst>
                 <a:ext uri="{FF2B5EF4-FFF2-40B4-BE49-F238E27FC236}">
-                  <a16:creationId xmlns:a16="http://schemas.microsoft.com/office/drawing/2014/main" xmlns="" id="{907CA8B9-D14B-4391-84A8-37A96D319826}"/>
+                  <a16:creationId xmlns:a16="http://schemas.microsoft.com/office/drawing/2014/main" id="{907CA8B9-D14B-4391-84A8-37A96D319826}"/>
                 </a:ext>
               </a:extLst>
             </p:cNvPr>
@@ -6069,7 +6028,7 @@
           <p:cNvPr id="33" name="Group 32">
             <a:extLst>
               <a:ext uri="{FF2B5EF4-FFF2-40B4-BE49-F238E27FC236}">
-                <a16:creationId xmlns:a16="http://schemas.microsoft.com/office/drawing/2014/main" xmlns="" id="{48E22B1E-A80D-4A1F-B167-793A84560418}"/>
+                <a16:creationId xmlns:a16="http://schemas.microsoft.com/office/drawing/2014/main" id="{48E22B1E-A80D-4A1F-B167-793A84560418}"/>
               </a:ext>
             </a:extLst>
           </p:cNvPr>
@@ -6089,7 +6048,7 @@
             <p:cNvPr id="25" name="Group 24">
               <a:extLst>
                 <a:ext uri="{FF2B5EF4-FFF2-40B4-BE49-F238E27FC236}">
-                  <a16:creationId xmlns:a16="http://schemas.microsoft.com/office/drawing/2014/main" xmlns="" id="{CD732D7B-CEAD-4944-9561-23756A03E4CE}"/>
+                  <a16:creationId xmlns:a16="http://schemas.microsoft.com/office/drawing/2014/main" id="{CD732D7B-CEAD-4944-9561-23756A03E4CE}"/>
                 </a:ext>
               </a:extLst>
             </p:cNvPr>
@@ -6109,7 +6068,7 @@
               <p:cNvPr id="26" name="Стрелка вправо 6">
                 <a:extLst>
                   <a:ext uri="{FF2B5EF4-FFF2-40B4-BE49-F238E27FC236}">
-                    <a16:creationId xmlns:a16="http://schemas.microsoft.com/office/drawing/2014/main" xmlns="" id="{EBC45553-3335-459F-B971-34E8983BC731}"/>
+                    <a16:creationId xmlns:a16="http://schemas.microsoft.com/office/drawing/2014/main" id="{EBC45553-3335-459F-B971-34E8983BC731}"/>
                   </a:ext>
                 </a:extLst>
               </p:cNvPr>
@@ -6158,7 +6117,7 @@
               <p:cNvPr id="27" name="Стрелка влево 7">
                 <a:extLst>
                   <a:ext uri="{FF2B5EF4-FFF2-40B4-BE49-F238E27FC236}">
-                    <a16:creationId xmlns:a16="http://schemas.microsoft.com/office/drawing/2014/main" xmlns="" id="{292EB408-0405-4FCE-88EC-F304C3008934}"/>
+                    <a16:creationId xmlns:a16="http://schemas.microsoft.com/office/drawing/2014/main" id="{292EB408-0405-4FCE-88EC-F304C3008934}"/>
                   </a:ext>
                 </a:extLst>
               </p:cNvPr>
@@ -6208,7 +6167,7 @@
             <p:cNvPr id="28" name="TextBox 27">
               <a:extLst>
                 <a:ext uri="{FF2B5EF4-FFF2-40B4-BE49-F238E27FC236}">
-                  <a16:creationId xmlns:a16="http://schemas.microsoft.com/office/drawing/2014/main" xmlns="" id="{42ADBE68-95FD-471D-8172-E7B178B7E49C}"/>
+                  <a16:creationId xmlns:a16="http://schemas.microsoft.com/office/drawing/2014/main" id="{42ADBE68-95FD-471D-8172-E7B178B7E49C}"/>
                 </a:ext>
               </a:extLst>
             </p:cNvPr>
@@ -6259,7 +6218,7 @@
           <p:cNvPr id="29" name="TextBox 28">
             <a:extLst>
               <a:ext uri="{FF2B5EF4-FFF2-40B4-BE49-F238E27FC236}">
-                <a16:creationId xmlns:a16="http://schemas.microsoft.com/office/drawing/2014/main" xmlns="" id="{6E6C4C7B-4734-4AC7-A127-6A2DC977CB84}"/>
+                <a16:creationId xmlns:a16="http://schemas.microsoft.com/office/drawing/2014/main" id="{6E6C4C7B-4734-4AC7-A127-6A2DC977CB84}"/>
               </a:ext>
             </a:extLst>
           </p:cNvPr>
@@ -6309,7 +6268,7 @@
           <p:cNvPr id="30" name="Group 29">
             <a:extLst>
               <a:ext uri="{FF2B5EF4-FFF2-40B4-BE49-F238E27FC236}">
-                <a16:creationId xmlns:a16="http://schemas.microsoft.com/office/drawing/2014/main" xmlns="" id="{56187BBD-3319-4049-AB09-3B85C0C4A53B}"/>
+                <a16:creationId xmlns:a16="http://schemas.microsoft.com/office/drawing/2014/main" id="{56187BBD-3319-4049-AB09-3B85C0C4A53B}"/>
               </a:ext>
             </a:extLst>
           </p:cNvPr>
@@ -6329,7 +6288,7 @@
             <p:cNvPr id="31" name="Picture 30">
               <a:extLst>
                 <a:ext uri="{FF2B5EF4-FFF2-40B4-BE49-F238E27FC236}">
-                  <a16:creationId xmlns:a16="http://schemas.microsoft.com/office/drawing/2014/main" xmlns="" id="{75A6246A-6B1A-4383-8796-58ED4FB82E4F}"/>
+                  <a16:creationId xmlns:a16="http://schemas.microsoft.com/office/drawing/2014/main" id="{75A6246A-6B1A-4383-8796-58ED4FB82E4F}"/>
                 </a:ext>
               </a:extLst>
             </p:cNvPr>
@@ -6342,7 +6301,7 @@
             <a:blip r:embed="rId5" cstate="print">
               <a:extLst>
                 <a:ext uri="{28A0092B-C50C-407E-A947-70E740481C1C}">
-                  <a14:useLocalDpi xmlns:a14="http://schemas.microsoft.com/office/drawing/2010/main" xmlns="" val="0"/>
+                  <a14:useLocalDpi xmlns:a14="http://schemas.microsoft.com/office/drawing/2010/main" val="0"/>
                 </a:ext>
               </a:extLst>
             </a:blip>
@@ -6365,7 +6324,7 @@
             <p:cNvPr id="32" name="TextBox 31">
               <a:extLst>
                 <a:ext uri="{FF2B5EF4-FFF2-40B4-BE49-F238E27FC236}">
-                  <a16:creationId xmlns:a16="http://schemas.microsoft.com/office/drawing/2014/main" xmlns="" id="{E6DAC22A-E049-4114-B4A0-5DB2B7CD72ED}"/>
+                  <a16:creationId xmlns:a16="http://schemas.microsoft.com/office/drawing/2014/main" id="{E6DAC22A-E049-4114-B4A0-5DB2B7CD72ED}"/>
                 </a:ext>
               </a:extLst>
             </p:cNvPr>
@@ -6416,7 +6375,7 @@
           <p:cNvPr id="35" name="Group 34">
             <a:extLst>
               <a:ext uri="{FF2B5EF4-FFF2-40B4-BE49-F238E27FC236}">
-                <a16:creationId xmlns:a16="http://schemas.microsoft.com/office/drawing/2014/main" xmlns="" id="{32583009-312E-4DE7-9432-80F39F116B95}"/>
+                <a16:creationId xmlns:a16="http://schemas.microsoft.com/office/drawing/2014/main" id="{32583009-312E-4DE7-9432-80F39F116B95}"/>
               </a:ext>
             </a:extLst>
           </p:cNvPr>
@@ -6436,7 +6395,7 @@
             <p:cNvPr id="16" name="Picture 15">
               <a:extLst>
                 <a:ext uri="{FF2B5EF4-FFF2-40B4-BE49-F238E27FC236}">
-                  <a16:creationId xmlns:a16="http://schemas.microsoft.com/office/drawing/2014/main" xmlns="" id="{E7318941-8E55-46DB-8E25-93ABFAFF5CFB}"/>
+                  <a16:creationId xmlns:a16="http://schemas.microsoft.com/office/drawing/2014/main" id="{E7318941-8E55-46DB-8E25-93ABFAFF5CFB}"/>
                 </a:ext>
               </a:extLst>
             </p:cNvPr>
@@ -6466,7 +6425,7 @@
             <p:cNvPr id="34" name="TextBox 33">
               <a:extLst>
                 <a:ext uri="{FF2B5EF4-FFF2-40B4-BE49-F238E27FC236}">
-                  <a16:creationId xmlns:a16="http://schemas.microsoft.com/office/drawing/2014/main" xmlns="" id="{50A4376B-70C5-41EA-8226-48F0ADB98350}"/>
+                  <a16:creationId xmlns:a16="http://schemas.microsoft.com/office/drawing/2014/main" id="{50A4376B-70C5-41EA-8226-48F0ADB98350}"/>
                 </a:ext>
               </a:extLst>
             </p:cNvPr>
@@ -6515,20 +6474,13 @@
     </p:spTree>
     <p:extLst>
       <p:ext uri="{BB962C8B-B14F-4D97-AF65-F5344CB8AC3E}">
-        <p14:creationId xmlns:p14="http://schemas.microsoft.com/office/powerpoint/2010/main" xmlns="" val="3482265446"/>
+        <p14:creationId xmlns:p14="http://schemas.microsoft.com/office/powerpoint/2010/main" val="3482265446"/>
       </p:ext>
     </p:extLst>
   </p:cSld>
   <p:clrMapOvr>
     <a:masterClrMapping/>
   </p:clrMapOvr>
-  <p:timing>
-    <p:tnLst>
-      <p:par>
-        <p:cTn id="1" dur="indefinite" restart="never" nodeType="tmRoot"/>
-      </p:par>
-    </p:tnLst>
-  </p:timing>
 </p:sld>
 </file>
 
@@ -6562,7 +6514,7 @@
           <p:cNvPr id="16" name="Rectangle 15">
             <a:extLst>
               <a:ext uri="{FF2B5EF4-FFF2-40B4-BE49-F238E27FC236}">
-                <a16:creationId xmlns:a16="http://schemas.microsoft.com/office/drawing/2014/main" xmlns="" id="{260A98AB-2494-42F2-A9C9-D0FC9CC326C3}"/>
+                <a16:creationId xmlns:a16="http://schemas.microsoft.com/office/drawing/2014/main" id="{260A98AB-2494-42F2-A9C9-D0FC9CC326C3}"/>
               </a:ext>
             </a:extLst>
           </p:cNvPr>
@@ -6618,7 +6570,7 @@
           <p:cNvPr id="17" name="Rectangle 16">
             <a:extLst>
               <a:ext uri="{FF2B5EF4-FFF2-40B4-BE49-F238E27FC236}">
-                <a16:creationId xmlns:a16="http://schemas.microsoft.com/office/drawing/2014/main" xmlns="" id="{41CE5F45-0FFC-445E-AD90-BFAADEDBFBBB}"/>
+                <a16:creationId xmlns:a16="http://schemas.microsoft.com/office/drawing/2014/main" id="{41CE5F45-0FFC-445E-AD90-BFAADEDBFBBB}"/>
               </a:ext>
             </a:extLst>
           </p:cNvPr>
@@ -6670,7 +6622,7 @@
           <p:cNvPr id="15" name="Rectangle 14">
             <a:extLst>
               <a:ext uri="{FF2B5EF4-FFF2-40B4-BE49-F238E27FC236}">
-                <a16:creationId xmlns:a16="http://schemas.microsoft.com/office/drawing/2014/main" xmlns="" id="{7564FC61-4C93-44FA-84CD-033BB9FE95CC}"/>
+                <a16:creationId xmlns:a16="http://schemas.microsoft.com/office/drawing/2014/main" id="{7564FC61-4C93-44FA-84CD-033BB9FE95CC}"/>
               </a:ext>
             </a:extLst>
           </p:cNvPr>
@@ -6722,7 +6674,7 @@
           <p:cNvPr id="2" name="Title 1">
             <a:extLst>
               <a:ext uri="{FF2B5EF4-FFF2-40B4-BE49-F238E27FC236}">
-                <a16:creationId xmlns:a16="http://schemas.microsoft.com/office/drawing/2014/main" xmlns="" id="{90364AA1-BD05-422A-9AFE-40ACE89B1CB5}"/>
+                <a16:creationId xmlns:a16="http://schemas.microsoft.com/office/drawing/2014/main" id="{90364AA1-BD05-422A-9AFE-40ACE89B1CB5}"/>
               </a:ext>
             </a:extLst>
           </p:cNvPr>
@@ -6772,7 +6724,7 @@
           <p:cNvPr id="4" name="Content Placeholder 3">
             <a:extLst>
               <a:ext uri="{FF2B5EF4-FFF2-40B4-BE49-F238E27FC236}">
-                <a16:creationId xmlns:a16="http://schemas.microsoft.com/office/drawing/2014/main" xmlns="" id="{C371A916-6091-40A9-B610-DA1873B01DF0}"/>
+                <a16:creationId xmlns:a16="http://schemas.microsoft.com/office/drawing/2014/main" id="{C371A916-6091-40A9-B610-DA1873B01DF0}"/>
               </a:ext>
             </a:extLst>
           </p:cNvPr>
@@ -6914,7 +6866,7 @@
           <p:cNvPr id="6" name="Picture 5">
             <a:extLst>
               <a:ext uri="{FF2B5EF4-FFF2-40B4-BE49-F238E27FC236}">
-                <a16:creationId xmlns:a16="http://schemas.microsoft.com/office/drawing/2014/main" xmlns="" id="{5C03BD31-0750-46FF-8128-EAB3E2494EE2}"/>
+                <a16:creationId xmlns:a16="http://schemas.microsoft.com/office/drawing/2014/main" id="{5C03BD31-0750-46FF-8128-EAB3E2494EE2}"/>
               </a:ext>
             </a:extLst>
           </p:cNvPr>
@@ -6927,7 +6879,7 @@
           <a:blip r:embed="rId2" cstate="print">
             <a:extLst>
               <a:ext uri="{28A0092B-C50C-407E-A947-70E740481C1C}">
-                <a14:useLocalDpi xmlns:a14="http://schemas.microsoft.com/office/drawing/2010/main" xmlns="" val="0"/>
+                <a14:useLocalDpi xmlns:a14="http://schemas.microsoft.com/office/drawing/2010/main" val="0"/>
               </a:ext>
             </a:extLst>
           </a:blip>
@@ -6950,7 +6902,7 @@
           <p:cNvPr id="8" name="Picture 7">
             <a:extLst>
               <a:ext uri="{FF2B5EF4-FFF2-40B4-BE49-F238E27FC236}">
-                <a16:creationId xmlns:a16="http://schemas.microsoft.com/office/drawing/2014/main" xmlns="" id="{12D71455-262F-421E-85C4-4DF85B20DA24}"/>
+                <a16:creationId xmlns:a16="http://schemas.microsoft.com/office/drawing/2014/main" id="{12D71455-262F-421E-85C4-4DF85B20DA24}"/>
               </a:ext>
             </a:extLst>
           </p:cNvPr>
@@ -6963,7 +6915,7 @@
           <a:blip r:embed="rId3" cstate="print">
             <a:extLst>
               <a:ext uri="{28A0092B-C50C-407E-A947-70E740481C1C}">
-                <a14:useLocalDpi xmlns:a14="http://schemas.microsoft.com/office/drawing/2010/main" xmlns="" val="0"/>
+                <a14:useLocalDpi xmlns:a14="http://schemas.microsoft.com/office/drawing/2010/main" val="0"/>
               </a:ext>
             </a:extLst>
           </a:blip>
@@ -6986,7 +6938,7 @@
           <p:cNvPr id="10" name="Picture 9">
             <a:extLst>
               <a:ext uri="{FF2B5EF4-FFF2-40B4-BE49-F238E27FC236}">
-                <a16:creationId xmlns:a16="http://schemas.microsoft.com/office/drawing/2014/main" xmlns="" id="{585A0214-0A82-4DA7-8CF9-6CE55807D5A7}"/>
+                <a16:creationId xmlns:a16="http://schemas.microsoft.com/office/drawing/2014/main" id="{585A0214-0A82-4DA7-8CF9-6CE55807D5A7}"/>
               </a:ext>
             </a:extLst>
           </p:cNvPr>
@@ -6999,7 +6951,7 @@
           <a:blip r:embed="rId4" cstate="print">
             <a:extLst>
               <a:ext uri="{28A0092B-C50C-407E-A947-70E740481C1C}">
-                <a14:useLocalDpi xmlns:a14="http://schemas.microsoft.com/office/drawing/2010/main" xmlns="" val="0"/>
+                <a14:useLocalDpi xmlns:a14="http://schemas.microsoft.com/office/drawing/2010/main" val="0"/>
               </a:ext>
             </a:extLst>
           </a:blip>
@@ -7022,7 +6974,7 @@
           <p:cNvPr id="12" name="Content Placeholder 11">
             <a:extLst>
               <a:ext uri="{FF2B5EF4-FFF2-40B4-BE49-F238E27FC236}">
-                <a16:creationId xmlns:a16="http://schemas.microsoft.com/office/drawing/2014/main" xmlns="" id="{C4C4A21D-EEBC-4B7B-B888-402A046223B7}"/>
+                <a16:creationId xmlns:a16="http://schemas.microsoft.com/office/drawing/2014/main" id="{C4C4A21D-EEBC-4B7B-B888-402A046223B7}"/>
               </a:ext>
             </a:extLst>
           </p:cNvPr>
@@ -7075,7 +7027,7 @@
           <p:cNvPr id="14" name="Picture 13">
             <a:extLst>
               <a:ext uri="{FF2B5EF4-FFF2-40B4-BE49-F238E27FC236}">
-                <a16:creationId xmlns:a16="http://schemas.microsoft.com/office/drawing/2014/main" xmlns="" id="{89B40238-FEA9-4402-9E22-A38BEC2FE054}"/>
+                <a16:creationId xmlns:a16="http://schemas.microsoft.com/office/drawing/2014/main" id="{89B40238-FEA9-4402-9E22-A38BEC2FE054}"/>
               </a:ext>
             </a:extLst>
           </p:cNvPr>
@@ -7088,7 +7040,7 @@
           <a:blip r:embed="rId5" cstate="print">
             <a:extLst>
               <a:ext uri="{28A0092B-C50C-407E-A947-70E740481C1C}">
-                <a14:useLocalDpi xmlns:a14="http://schemas.microsoft.com/office/drawing/2010/main" xmlns="" val="0"/>
+                <a14:useLocalDpi xmlns:a14="http://schemas.microsoft.com/office/drawing/2010/main" val="0"/>
               </a:ext>
             </a:extLst>
           </a:blip>
@@ -7109,20 +7061,13 @@
     </p:spTree>
     <p:extLst>
       <p:ext uri="{BB962C8B-B14F-4D97-AF65-F5344CB8AC3E}">
-        <p14:creationId xmlns:p14="http://schemas.microsoft.com/office/powerpoint/2010/main" xmlns="" val="853821108"/>
+        <p14:creationId xmlns:p14="http://schemas.microsoft.com/office/powerpoint/2010/main" val="853821108"/>
       </p:ext>
     </p:extLst>
   </p:cSld>
   <p:clrMapOvr>
     <a:masterClrMapping/>
   </p:clrMapOvr>
-  <p:timing>
-    <p:tnLst>
-      <p:par>
-        <p:cTn id="1" dur="indefinite" restart="never" nodeType="tmRoot"/>
-      </p:par>
-    </p:tnLst>
-  </p:timing>
 </p:sld>
 </file>
 
@@ -7156,7 +7101,7 @@
           <p:cNvPr id="22" name="Rectangle 21">
             <a:extLst>
               <a:ext uri="{FF2B5EF4-FFF2-40B4-BE49-F238E27FC236}">
-                <a16:creationId xmlns:a16="http://schemas.microsoft.com/office/drawing/2014/main" xmlns="" id="{AB52659D-2427-4A2A-B360-80F5463FDD0E}"/>
+                <a16:creationId xmlns:a16="http://schemas.microsoft.com/office/drawing/2014/main" id="{AB52659D-2427-4A2A-B360-80F5463FDD0E}"/>
               </a:ext>
             </a:extLst>
           </p:cNvPr>
@@ -7208,7 +7153,7 @@
           <p:cNvPr id="23" name="Rectangle 22">
             <a:extLst>
               <a:ext uri="{FF2B5EF4-FFF2-40B4-BE49-F238E27FC236}">
-                <a16:creationId xmlns:a16="http://schemas.microsoft.com/office/drawing/2014/main" xmlns="" id="{013CE42B-0584-49D6-80EE-7FD37A041279}"/>
+                <a16:creationId xmlns:a16="http://schemas.microsoft.com/office/drawing/2014/main" id="{013CE42B-0584-49D6-80EE-7FD37A041279}"/>
               </a:ext>
             </a:extLst>
           </p:cNvPr>
@@ -7260,7 +7205,7 @@
           <p:cNvPr id="24" name="Rectangle 23">
             <a:extLst>
               <a:ext uri="{FF2B5EF4-FFF2-40B4-BE49-F238E27FC236}">
-                <a16:creationId xmlns:a16="http://schemas.microsoft.com/office/drawing/2014/main" xmlns="" id="{C37B67FD-07C3-471B-A0C1-6F874031BE1F}"/>
+                <a16:creationId xmlns:a16="http://schemas.microsoft.com/office/drawing/2014/main" id="{C37B67FD-07C3-471B-A0C1-6F874031BE1F}"/>
               </a:ext>
             </a:extLst>
           </p:cNvPr>
@@ -7312,7 +7257,7 @@
           <p:cNvPr id="5" name="Title 1">
             <a:extLst>
               <a:ext uri="{FF2B5EF4-FFF2-40B4-BE49-F238E27FC236}">
-                <a16:creationId xmlns:a16="http://schemas.microsoft.com/office/drawing/2014/main" xmlns="" id="{25CEB458-CAED-4AE5-B66C-83638297DCAE}"/>
+                <a16:creationId xmlns:a16="http://schemas.microsoft.com/office/drawing/2014/main" id="{25CEB458-CAED-4AE5-B66C-83638297DCAE}"/>
               </a:ext>
             </a:extLst>
           </p:cNvPr>
@@ -7381,7 +7326,7 @@
           <p:cNvPr id="6" name="Content Placeholder 3">
             <a:extLst>
               <a:ext uri="{FF2B5EF4-FFF2-40B4-BE49-F238E27FC236}">
-                <a16:creationId xmlns:a16="http://schemas.microsoft.com/office/drawing/2014/main" xmlns="" id="{C379E06A-2762-4905-9011-B089959F29C2}"/>
+                <a16:creationId xmlns:a16="http://schemas.microsoft.com/office/drawing/2014/main" id="{C379E06A-2762-4905-9011-B089959F29C2}"/>
               </a:ext>
             </a:extLst>
           </p:cNvPr>
@@ -7683,7 +7628,7 @@
           <p:cNvPr id="7" name="Content Placeholder 11">
             <a:extLst>
               <a:ext uri="{FF2B5EF4-FFF2-40B4-BE49-F238E27FC236}">
-                <a16:creationId xmlns:a16="http://schemas.microsoft.com/office/drawing/2014/main" xmlns="" id="{93AEBA49-2E71-45BB-87EE-2103B4884353}"/>
+                <a16:creationId xmlns:a16="http://schemas.microsoft.com/office/drawing/2014/main" id="{93AEBA49-2E71-45BB-87EE-2103B4884353}"/>
               </a:ext>
             </a:extLst>
           </p:cNvPr>
@@ -7901,7 +7846,7 @@
           <p:cNvPr id="25" name="Rectangle 24">
             <a:extLst>
               <a:ext uri="{FF2B5EF4-FFF2-40B4-BE49-F238E27FC236}">
-                <a16:creationId xmlns:a16="http://schemas.microsoft.com/office/drawing/2014/main" xmlns="" id="{D0E47FC5-D537-468B-B8ED-58355B2061D1}"/>
+                <a16:creationId xmlns:a16="http://schemas.microsoft.com/office/drawing/2014/main" id="{D0E47FC5-D537-468B-B8ED-58355B2061D1}"/>
               </a:ext>
             </a:extLst>
           </p:cNvPr>
@@ -7953,7 +7898,7 @@
           <p:cNvPr id="26" name="Rectangle 25">
             <a:extLst>
               <a:ext uri="{FF2B5EF4-FFF2-40B4-BE49-F238E27FC236}">
-                <a16:creationId xmlns:a16="http://schemas.microsoft.com/office/drawing/2014/main" xmlns="" id="{F4C6901E-F5C9-444F-BFB5-499B3E5697AC}"/>
+                <a16:creationId xmlns:a16="http://schemas.microsoft.com/office/drawing/2014/main" id="{F4C6901E-F5C9-444F-BFB5-499B3E5697AC}"/>
               </a:ext>
             </a:extLst>
           </p:cNvPr>
@@ -8005,7 +7950,7 @@
           <p:cNvPr id="13" name="Content Placeholder 12">
             <a:extLst>
               <a:ext uri="{FF2B5EF4-FFF2-40B4-BE49-F238E27FC236}">
-                <a16:creationId xmlns:a16="http://schemas.microsoft.com/office/drawing/2014/main" xmlns="" id="{9259D4E1-E9B3-40B4-8199-43831274F2AC}"/>
+                <a16:creationId xmlns:a16="http://schemas.microsoft.com/office/drawing/2014/main" id="{9259D4E1-E9B3-40B4-8199-43831274F2AC}"/>
               </a:ext>
             </a:extLst>
           </p:cNvPr>
@@ -8020,7 +7965,7 @@
           <a:blip r:embed="rId2" cstate="print">
             <a:extLst>
               <a:ext uri="{28A0092B-C50C-407E-A947-70E740481C1C}">
-                <a14:useLocalDpi xmlns:a14="http://schemas.microsoft.com/office/drawing/2010/main" xmlns="" val="0"/>
+                <a14:useLocalDpi xmlns:a14="http://schemas.microsoft.com/office/drawing/2010/main" val="0"/>
               </a:ext>
             </a:extLst>
           </a:blip>
@@ -8040,7 +7985,7 @@
           <p:cNvPr id="15" name="Picture 14">
             <a:extLst>
               <a:ext uri="{FF2B5EF4-FFF2-40B4-BE49-F238E27FC236}">
-                <a16:creationId xmlns:a16="http://schemas.microsoft.com/office/drawing/2014/main" xmlns="" id="{1E94DEB9-8009-4DF8-9CA4-CAB7EEF19F7D}"/>
+                <a16:creationId xmlns:a16="http://schemas.microsoft.com/office/drawing/2014/main" id="{1E94DEB9-8009-4DF8-9CA4-CAB7EEF19F7D}"/>
               </a:ext>
             </a:extLst>
           </p:cNvPr>
@@ -8053,7 +7998,7 @@
           <a:blip r:embed="rId3" cstate="print">
             <a:extLst>
               <a:ext uri="{28A0092B-C50C-407E-A947-70E740481C1C}">
-                <a14:useLocalDpi xmlns:a14="http://schemas.microsoft.com/office/drawing/2010/main" xmlns="" val="0"/>
+                <a14:useLocalDpi xmlns:a14="http://schemas.microsoft.com/office/drawing/2010/main" val="0"/>
               </a:ext>
             </a:extLst>
           </a:blip>
@@ -8076,7 +8021,7 @@
           <p:cNvPr id="28" name="Rectangle 27">
             <a:extLst>
               <a:ext uri="{FF2B5EF4-FFF2-40B4-BE49-F238E27FC236}">
-                <a16:creationId xmlns:a16="http://schemas.microsoft.com/office/drawing/2014/main" xmlns="" id="{2E8BA5CB-8FB8-418E-8316-66ACE7FBA0F8}"/>
+                <a16:creationId xmlns:a16="http://schemas.microsoft.com/office/drawing/2014/main" id="{2E8BA5CB-8FB8-418E-8316-66ACE7FBA0F8}"/>
               </a:ext>
             </a:extLst>
           </p:cNvPr>
@@ -8129,7 +8074,7 @@
           <p:cNvPr id="29" name="Rectangle 28">
             <a:extLst>
               <a:ext uri="{FF2B5EF4-FFF2-40B4-BE49-F238E27FC236}">
-                <a16:creationId xmlns:a16="http://schemas.microsoft.com/office/drawing/2014/main" xmlns="" id="{11B1488A-DF5C-432E-BA58-80365CDC647F}"/>
+                <a16:creationId xmlns:a16="http://schemas.microsoft.com/office/drawing/2014/main" id="{11B1488A-DF5C-432E-BA58-80365CDC647F}"/>
               </a:ext>
             </a:extLst>
           </p:cNvPr>
@@ -8182,7 +8127,7 @@
           <p:cNvPr id="30" name="Rectangle 29">
             <a:extLst>
               <a:ext uri="{FF2B5EF4-FFF2-40B4-BE49-F238E27FC236}">
-                <a16:creationId xmlns:a16="http://schemas.microsoft.com/office/drawing/2014/main" xmlns="" id="{822B3D13-8345-4973-ABF9-46326B960FE6}"/>
+                <a16:creationId xmlns:a16="http://schemas.microsoft.com/office/drawing/2014/main" id="{822B3D13-8345-4973-ABF9-46326B960FE6}"/>
               </a:ext>
             </a:extLst>
           </p:cNvPr>
@@ -8235,7 +8180,7 @@
           <p:cNvPr id="17" name="Picture 16">
             <a:extLst>
               <a:ext uri="{FF2B5EF4-FFF2-40B4-BE49-F238E27FC236}">
-                <a16:creationId xmlns:a16="http://schemas.microsoft.com/office/drawing/2014/main" xmlns="" id="{A5AFAD07-4817-4249-B4AA-7A74A7EB9C34}"/>
+                <a16:creationId xmlns:a16="http://schemas.microsoft.com/office/drawing/2014/main" id="{A5AFAD07-4817-4249-B4AA-7A74A7EB9C34}"/>
               </a:ext>
             </a:extLst>
           </p:cNvPr>
@@ -8248,7 +8193,7 @@
           <a:blip r:embed="rId4" cstate="print">
             <a:extLst>
               <a:ext uri="{28A0092B-C50C-407E-A947-70E740481C1C}">
-                <a14:useLocalDpi xmlns:a14="http://schemas.microsoft.com/office/drawing/2010/main" xmlns="" val="0"/>
+                <a14:useLocalDpi xmlns:a14="http://schemas.microsoft.com/office/drawing/2010/main" val="0"/>
               </a:ext>
             </a:extLst>
           </a:blip>
@@ -8271,7 +8216,7 @@
           <p:cNvPr id="21" name="Picture 20">
             <a:extLst>
               <a:ext uri="{FF2B5EF4-FFF2-40B4-BE49-F238E27FC236}">
-                <a16:creationId xmlns:a16="http://schemas.microsoft.com/office/drawing/2014/main" xmlns="" id="{AFE85C86-4387-4627-8615-F1327E373D56}"/>
+                <a16:creationId xmlns:a16="http://schemas.microsoft.com/office/drawing/2014/main" id="{AFE85C86-4387-4627-8615-F1327E373D56}"/>
               </a:ext>
             </a:extLst>
           </p:cNvPr>
@@ -8284,7 +8229,7 @@
           <a:blip r:embed="rId5" cstate="print">
             <a:extLst>
               <a:ext uri="{28A0092B-C50C-407E-A947-70E740481C1C}">
-                <a14:useLocalDpi xmlns:a14="http://schemas.microsoft.com/office/drawing/2010/main" xmlns="" val="0"/>
+                <a14:useLocalDpi xmlns:a14="http://schemas.microsoft.com/office/drawing/2010/main" val="0"/>
               </a:ext>
             </a:extLst>
           </a:blip>
@@ -8305,20 +8250,13 @@
     </p:spTree>
     <p:extLst>
       <p:ext uri="{BB962C8B-B14F-4D97-AF65-F5344CB8AC3E}">
-        <p14:creationId xmlns:p14="http://schemas.microsoft.com/office/powerpoint/2010/main" xmlns="" val="395566277"/>
+        <p14:creationId xmlns:p14="http://schemas.microsoft.com/office/powerpoint/2010/main" val="395566277"/>
       </p:ext>
     </p:extLst>
   </p:cSld>
   <p:clrMapOvr>
     <a:masterClrMapping/>
   </p:clrMapOvr>
-  <p:timing>
-    <p:tnLst>
-      <p:par>
-        <p:cTn id="1" dur="indefinite" restart="never" nodeType="tmRoot"/>
-      </p:par>
-    </p:tnLst>
-  </p:timing>
 </p:sld>
 </file>
 
@@ -8352,7 +8290,7 @@
           <p:cNvPr id="28" name="Rectangle 27">
             <a:extLst>
               <a:ext uri="{FF2B5EF4-FFF2-40B4-BE49-F238E27FC236}">
-                <a16:creationId xmlns:a16="http://schemas.microsoft.com/office/drawing/2014/main" xmlns="" id="{94ED42A3-6A66-4800-AD12-73F59168F3C2}"/>
+                <a16:creationId xmlns:a16="http://schemas.microsoft.com/office/drawing/2014/main" id="{94ED42A3-6A66-4800-AD12-73F59168F3C2}"/>
               </a:ext>
             </a:extLst>
           </p:cNvPr>
@@ -8404,7 +8342,7 @@
           <p:cNvPr id="5" name="Title 1">
             <a:extLst>
               <a:ext uri="{FF2B5EF4-FFF2-40B4-BE49-F238E27FC236}">
-                <a16:creationId xmlns:a16="http://schemas.microsoft.com/office/drawing/2014/main" xmlns="" id="{6EA9B200-91C2-40AA-BE85-482F99D3F359}"/>
+                <a16:creationId xmlns:a16="http://schemas.microsoft.com/office/drawing/2014/main" id="{6EA9B200-91C2-40AA-BE85-482F99D3F359}"/>
               </a:ext>
             </a:extLst>
           </p:cNvPr>
@@ -8447,7 +8385,7 @@
           </a:lstStyle>
           <a:p>
             <a:r>
-              <a:rPr lang="en-US" sz="5400" dirty="0" smtClean="0">
+              <a:rPr lang="en-US" sz="5400" dirty="0">
                 <a:solidFill>
                   <a:schemeClr val="bg1"/>
                 </a:solidFill>
@@ -8473,7 +8411,7 @@
           <p:cNvPr id="6" name="Content Placeholder 3">
             <a:extLst>
               <a:ext uri="{FF2B5EF4-FFF2-40B4-BE49-F238E27FC236}">
-                <a16:creationId xmlns:a16="http://schemas.microsoft.com/office/drawing/2014/main" xmlns="" id="{891AA824-39C0-432B-B1B4-28668A491A9C}"/>
+                <a16:creationId xmlns:a16="http://schemas.microsoft.com/office/drawing/2014/main" id="{891AA824-39C0-432B-B1B4-28668A491A9C}"/>
               </a:ext>
             </a:extLst>
           </p:cNvPr>
@@ -8699,7 +8637,7 @@
               <a:buChar char="§"/>
             </a:pPr>
             <a:r>
-              <a:rPr lang="en-US" dirty="0" err="1" smtClean="0">
+              <a:rPr lang="en-US" dirty="0" err="1">
                 <a:solidFill>
                   <a:schemeClr val="bg1"/>
                 </a:solidFill>
@@ -8710,7 +8648,7 @@
               <a:t>Django</a:t>
             </a:r>
             <a:r>
-              <a:rPr lang="en-US" dirty="0" smtClean="0">
+              <a:rPr lang="en-US" dirty="0">
                 <a:solidFill>
                   <a:schemeClr val="bg1"/>
                 </a:solidFill>
@@ -8719,6 +8657,95 @@
                 <a:cs typeface="Lato Hairline" panose="020F0502020204030203" pitchFamily="34" charset="0"/>
               </a:rPr>
               <a:t> rest framework</a:t>
+            </a:r>
+          </a:p>
+          <a:p>
+            <a:pPr>
+              <a:buFont typeface="Wingdings" panose="05000000000000000000" pitchFamily="2" charset="2"/>
+              <a:buChar char="§"/>
+            </a:pPr>
+            <a:r>
+              <a:rPr lang="en-US" dirty="0">
+                <a:solidFill>
+                  <a:schemeClr val="bg1"/>
+                </a:solidFill>
+                <a:latin typeface="Lato Hairline" panose="020F0502020204030203" pitchFamily="34" charset="0"/>
+                <a:ea typeface="Lato Hairline" panose="020F0502020204030203" pitchFamily="34" charset="0"/>
+                <a:cs typeface="Lato Hairline" panose="020F0502020204030203" pitchFamily="34" charset="0"/>
+              </a:rPr>
+              <a:t>Python anywhere</a:t>
+            </a:r>
+          </a:p>
+          <a:p>
+            <a:pPr>
+              <a:buFont typeface="Wingdings" panose="05000000000000000000" pitchFamily="2" charset="2"/>
+              <a:buChar char="§"/>
+            </a:pPr>
+            <a:r>
+              <a:rPr lang="en-US" dirty="0">
+                <a:solidFill>
+                  <a:schemeClr val="bg1"/>
+                </a:solidFill>
+                <a:latin typeface="Lato Hairline" panose="020F0502020204030203" pitchFamily="34" charset="0"/>
+                <a:ea typeface="Lato Hairline" panose="020F0502020204030203" pitchFamily="34" charset="0"/>
+                <a:cs typeface="Lato Hairline" panose="020F0502020204030203" pitchFamily="34" charset="0"/>
+              </a:rPr>
+              <a:t>Cipher + </a:t>
+            </a:r>
+            <a:r>
+              <a:rPr lang="en-US" dirty="0" err="1">
+                <a:solidFill>
+                  <a:schemeClr val="bg1"/>
+                </a:solidFill>
+                <a:latin typeface="Lato Hairline" panose="020F0502020204030203" pitchFamily="34" charset="0"/>
+                <a:ea typeface="Lato Hairline" panose="020F0502020204030203" pitchFamily="34" charset="0"/>
+                <a:cs typeface="Lato Hairline" panose="020F0502020204030203" pitchFamily="34" charset="0"/>
+              </a:rPr>
+              <a:t>aes</a:t>
+            </a:r>
+            <a:r>
+              <a:rPr lang="en-US" dirty="0">
+                <a:solidFill>
+                  <a:schemeClr val="bg1"/>
+                </a:solidFill>
+                <a:latin typeface="Lato Hairline" panose="020F0502020204030203" pitchFamily="34" charset="0"/>
+                <a:ea typeface="Lato Hairline" panose="020F0502020204030203" pitchFamily="34" charset="0"/>
+                <a:cs typeface="Lato Hairline" panose="020F0502020204030203" pitchFamily="34" charset="0"/>
+              </a:rPr>
+              <a:t> </a:t>
+            </a:r>
+            <a:r>
+              <a:rPr lang="en-US" dirty="0" err="1">
+                <a:solidFill>
+                  <a:schemeClr val="bg1"/>
+                </a:solidFill>
+                <a:latin typeface="Lato Hairline" panose="020F0502020204030203" pitchFamily="34" charset="0"/>
+                <a:ea typeface="Lato Hairline" panose="020F0502020204030203" pitchFamily="34" charset="0"/>
+                <a:cs typeface="Lato Hairline" panose="020F0502020204030203" pitchFamily="34" charset="0"/>
+              </a:rPr>
+              <a:t>encryptor</a:t>
+            </a:r>
+            <a:r>
+              <a:rPr lang="en-US" dirty="0">
+                <a:solidFill>
+                  <a:schemeClr val="bg1"/>
+                </a:solidFill>
+                <a:latin typeface="Lato Hairline" panose="020F0502020204030203" pitchFamily="34" charset="0"/>
+                <a:ea typeface="Lato Hairline" panose="020F0502020204030203" pitchFamily="34" charset="0"/>
+                <a:cs typeface="Lato Hairline" panose="020F0502020204030203" pitchFamily="34" charset="0"/>
+              </a:rPr>
+              <a:t>/</a:t>
+            </a:r>
+            <a:r>
+              <a:rPr lang="en-US" dirty="0" err="1">
+                <a:solidFill>
+                  <a:schemeClr val="bg1"/>
+                </a:solidFill>
+                <a:latin typeface="Lato Hairline" panose="020F0502020204030203" pitchFamily="34" charset="0"/>
+                <a:ea typeface="Lato Hairline" panose="020F0502020204030203" pitchFamily="34" charset="0"/>
+                <a:cs typeface="Lato Hairline" panose="020F0502020204030203" pitchFamily="34" charset="0"/>
+              </a:rPr>
+              <a:t>decryptor</a:t>
             </a:r>
             <a:endParaRPr lang="en-US" dirty="0">
               <a:solidFill>
@@ -8735,103 +8762,6 @@
               <a:buChar char="§"/>
             </a:pPr>
             <a:r>
-              <a:rPr lang="en-US" dirty="0">
-                <a:solidFill>
-                  <a:schemeClr val="bg1"/>
-                </a:solidFill>
-                <a:latin typeface="Lato Hairline" panose="020F0502020204030203" pitchFamily="34" charset="0"/>
-                <a:ea typeface="Lato Hairline" panose="020F0502020204030203" pitchFamily="34" charset="0"/>
-                <a:cs typeface="Lato Hairline" panose="020F0502020204030203" pitchFamily="34" charset="0"/>
-              </a:rPr>
-              <a:t>Python anywhere</a:t>
-            </a:r>
-          </a:p>
-          <a:p>
-            <a:pPr>
-              <a:buFont typeface="Wingdings" panose="05000000000000000000" pitchFamily="2" charset="2"/>
-              <a:buChar char="§"/>
-            </a:pPr>
-            <a:r>
-              <a:rPr lang="en-US" dirty="0">
-                <a:solidFill>
-                  <a:schemeClr val="bg1"/>
-                </a:solidFill>
-                <a:latin typeface="Lato Hairline" panose="020F0502020204030203" pitchFamily="34" charset="0"/>
-                <a:ea typeface="Lato Hairline" panose="020F0502020204030203" pitchFamily="34" charset="0"/>
-                <a:cs typeface="Lato Hairline" panose="020F0502020204030203" pitchFamily="34" charset="0"/>
-              </a:rPr>
-              <a:t>Cipher + </a:t>
-            </a:r>
-            <a:r>
-              <a:rPr lang="en-US" dirty="0" err="1">
-                <a:solidFill>
-                  <a:schemeClr val="bg1"/>
-                </a:solidFill>
-                <a:latin typeface="Lato Hairline" panose="020F0502020204030203" pitchFamily="34" charset="0"/>
-                <a:ea typeface="Lato Hairline" panose="020F0502020204030203" pitchFamily="34" charset="0"/>
-                <a:cs typeface="Lato Hairline" panose="020F0502020204030203" pitchFamily="34" charset="0"/>
-              </a:rPr>
-              <a:t>aes</a:t>
-            </a:r>
-            <a:r>
-              <a:rPr lang="en-US" dirty="0">
-                <a:solidFill>
-                  <a:schemeClr val="bg1"/>
-                </a:solidFill>
-                <a:latin typeface="Lato Hairline" panose="020F0502020204030203" pitchFamily="34" charset="0"/>
-                <a:ea typeface="Lato Hairline" panose="020F0502020204030203" pitchFamily="34" charset="0"/>
-                <a:cs typeface="Lato Hairline" panose="020F0502020204030203" pitchFamily="34" charset="0"/>
-              </a:rPr>
-              <a:t> </a:t>
-            </a:r>
-            <a:r>
-              <a:rPr lang="en-US" dirty="0" err="1">
-                <a:solidFill>
-                  <a:schemeClr val="bg1"/>
-                </a:solidFill>
-                <a:latin typeface="Lato Hairline" panose="020F0502020204030203" pitchFamily="34" charset="0"/>
-                <a:ea typeface="Lato Hairline" panose="020F0502020204030203" pitchFamily="34" charset="0"/>
-                <a:cs typeface="Lato Hairline" panose="020F0502020204030203" pitchFamily="34" charset="0"/>
-              </a:rPr>
-              <a:t>encryptor</a:t>
-            </a:r>
-            <a:r>
-              <a:rPr lang="en-US" dirty="0">
-                <a:solidFill>
-                  <a:schemeClr val="bg1"/>
-                </a:solidFill>
-                <a:latin typeface="Lato Hairline" panose="020F0502020204030203" pitchFamily="34" charset="0"/>
-                <a:ea typeface="Lato Hairline" panose="020F0502020204030203" pitchFamily="34" charset="0"/>
-                <a:cs typeface="Lato Hairline" panose="020F0502020204030203" pitchFamily="34" charset="0"/>
-              </a:rPr>
-              <a:t>/</a:t>
-            </a:r>
-            <a:r>
-              <a:rPr lang="en-US" dirty="0" err="1">
-                <a:solidFill>
-                  <a:schemeClr val="bg1"/>
-                </a:solidFill>
-                <a:latin typeface="Lato Hairline" panose="020F0502020204030203" pitchFamily="34" charset="0"/>
-                <a:ea typeface="Lato Hairline" panose="020F0502020204030203" pitchFamily="34" charset="0"/>
-                <a:cs typeface="Lato Hairline" panose="020F0502020204030203" pitchFamily="34" charset="0"/>
-              </a:rPr>
-              <a:t>decryptor</a:t>
-            </a:r>
-            <a:endParaRPr lang="en-US" dirty="0">
-              <a:solidFill>
-                <a:schemeClr val="bg1"/>
-              </a:solidFill>
-              <a:latin typeface="Lato Hairline" panose="020F0502020204030203" pitchFamily="34" charset="0"/>
-              <a:ea typeface="Lato Hairline" panose="020F0502020204030203" pitchFamily="34" charset="0"/>
-              <a:cs typeface="Lato Hairline" panose="020F0502020204030203" pitchFamily="34" charset="0"/>
-            </a:endParaRPr>
-          </a:p>
-          <a:p>
-            <a:pPr>
-              <a:buFont typeface="Wingdings" panose="05000000000000000000" pitchFamily="2" charset="2"/>
-              <a:buChar char="§"/>
-            </a:pPr>
-            <a:r>
               <a:rPr lang="en-US" dirty="0" err="1">
                 <a:solidFill>
                   <a:schemeClr val="bg1"/>
@@ -8888,7 +8818,7 @@
               <a:t>Database : </a:t>
             </a:r>
             <a:r>
-              <a:rPr lang="en-US" dirty="0" err="1" smtClean="0">
+              <a:rPr lang="en-US" dirty="0" err="1">
                 <a:solidFill>
                   <a:schemeClr val="bg1"/>
                 </a:solidFill>
@@ -8939,7 +8869,7 @@
           <p:cNvPr id="7" name="Content Placeholder 11">
             <a:extLst>
               <a:ext uri="{FF2B5EF4-FFF2-40B4-BE49-F238E27FC236}">
-                <a16:creationId xmlns:a16="http://schemas.microsoft.com/office/drawing/2014/main" xmlns="" id="{332CC273-2176-43CA-A7B0-83BCF333A5B2}"/>
+                <a16:creationId xmlns:a16="http://schemas.microsoft.com/office/drawing/2014/main" id="{332CC273-2176-43CA-A7B0-83BCF333A5B2}"/>
               </a:ext>
             </a:extLst>
           </p:cNvPr>
@@ -9157,7 +9087,7 @@
           <p:cNvPr id="15" name="Picture 14">
             <a:extLst>
               <a:ext uri="{FF2B5EF4-FFF2-40B4-BE49-F238E27FC236}">
-                <a16:creationId xmlns:a16="http://schemas.microsoft.com/office/drawing/2014/main" xmlns="" id="{9ACCAC02-F939-4DA6-BED0-FF85DC37E148}"/>
+                <a16:creationId xmlns:a16="http://schemas.microsoft.com/office/drawing/2014/main" id="{9ACCAC02-F939-4DA6-BED0-FF85DC37E148}"/>
               </a:ext>
             </a:extLst>
           </p:cNvPr>
@@ -9170,7 +9100,7 @@
           <a:blip r:embed="rId2" cstate="print">
             <a:extLst>
               <a:ext uri="{28A0092B-C50C-407E-A947-70E740481C1C}">
-                <a14:useLocalDpi xmlns:a14="http://schemas.microsoft.com/office/drawing/2010/main" xmlns="" val="0"/>
+                <a14:useLocalDpi xmlns:a14="http://schemas.microsoft.com/office/drawing/2010/main" val="0"/>
               </a:ext>
             </a:extLst>
           </a:blip>
@@ -9193,7 +9123,7 @@
           <p:cNvPr id="23" name="Picture 22">
             <a:extLst>
               <a:ext uri="{FF2B5EF4-FFF2-40B4-BE49-F238E27FC236}">
-                <a16:creationId xmlns:a16="http://schemas.microsoft.com/office/drawing/2014/main" xmlns="" id="{D7F71749-6046-47AA-B354-ECA151AADC0B}"/>
+                <a16:creationId xmlns:a16="http://schemas.microsoft.com/office/drawing/2014/main" id="{D7F71749-6046-47AA-B354-ECA151AADC0B}"/>
               </a:ext>
             </a:extLst>
           </p:cNvPr>
@@ -9206,7 +9136,7 @@
           <a:blip r:embed="rId3" cstate="print">
             <a:extLst>
               <a:ext uri="{28A0092B-C50C-407E-A947-70E740481C1C}">
-                <a14:useLocalDpi xmlns:a14="http://schemas.microsoft.com/office/drawing/2010/main" xmlns="" val="0"/>
+                <a14:useLocalDpi xmlns:a14="http://schemas.microsoft.com/office/drawing/2010/main" val="0"/>
               </a:ext>
             </a:extLst>
           </a:blip>
@@ -9229,7 +9159,7 @@
           <p:cNvPr id="25" name="Picture 24">
             <a:extLst>
               <a:ext uri="{FF2B5EF4-FFF2-40B4-BE49-F238E27FC236}">
-                <a16:creationId xmlns:a16="http://schemas.microsoft.com/office/drawing/2014/main" xmlns="" id="{45ACE6AE-98CF-4BEC-BC47-F1D25AD5F625}"/>
+                <a16:creationId xmlns:a16="http://schemas.microsoft.com/office/drawing/2014/main" id="{45ACE6AE-98CF-4BEC-BC47-F1D25AD5F625}"/>
               </a:ext>
             </a:extLst>
           </p:cNvPr>
@@ -9242,7 +9172,7 @@
           <a:blip r:embed="rId4" cstate="print">
             <a:extLst>
               <a:ext uri="{28A0092B-C50C-407E-A947-70E740481C1C}">
-                <a14:useLocalDpi xmlns:a14="http://schemas.microsoft.com/office/drawing/2010/main" xmlns="" val="0"/>
+                <a14:useLocalDpi xmlns:a14="http://schemas.microsoft.com/office/drawing/2010/main" val="0"/>
               </a:ext>
             </a:extLst>
           </a:blip>
@@ -9265,7 +9195,7 @@
           <p:cNvPr id="27" name="Picture 26">
             <a:extLst>
               <a:ext uri="{FF2B5EF4-FFF2-40B4-BE49-F238E27FC236}">
-                <a16:creationId xmlns:a16="http://schemas.microsoft.com/office/drawing/2014/main" xmlns="" id="{C376B2CB-63E0-4A82-86D4-16A25294289C}"/>
+                <a16:creationId xmlns:a16="http://schemas.microsoft.com/office/drawing/2014/main" id="{C376B2CB-63E0-4A82-86D4-16A25294289C}"/>
               </a:ext>
             </a:extLst>
           </p:cNvPr>
@@ -9278,7 +9208,7 @@
           <a:blip r:embed="rId5" cstate="print">
             <a:extLst>
               <a:ext uri="{28A0092B-C50C-407E-A947-70E740481C1C}">
-                <a14:useLocalDpi xmlns:a14="http://schemas.microsoft.com/office/drawing/2010/main" xmlns="" val="0"/>
+                <a14:useLocalDpi xmlns:a14="http://schemas.microsoft.com/office/drawing/2010/main" val="0"/>
               </a:ext>
             </a:extLst>
           </a:blip>
@@ -9325,20 +9255,13 @@
     </p:spTree>
     <p:extLst>
       <p:ext uri="{BB962C8B-B14F-4D97-AF65-F5344CB8AC3E}">
-        <p14:creationId xmlns:p14="http://schemas.microsoft.com/office/powerpoint/2010/main" xmlns="" val="955967530"/>
+        <p14:creationId xmlns:p14="http://schemas.microsoft.com/office/powerpoint/2010/main" val="955967530"/>
       </p:ext>
     </p:extLst>
   </p:cSld>
   <p:clrMapOvr>
     <a:masterClrMapping/>
   </p:clrMapOvr>
-  <p:timing>
-    <p:tnLst>
-      <p:par>
-        <p:cTn id="1" dur="indefinite" restart="never" nodeType="tmRoot"/>
-      </p:par>
-    </p:tnLst>
-  </p:timing>
 </p:sld>
 </file>
 
@@ -9372,7 +9295,7 @@
           <p:cNvPr id="28" name="Rectangle 27">
             <a:extLst>
               <a:ext uri="{FF2B5EF4-FFF2-40B4-BE49-F238E27FC236}">
-                <a16:creationId xmlns:a16="http://schemas.microsoft.com/office/drawing/2014/main" xmlns="" id="{94ED42A3-6A66-4800-AD12-73F59168F3C2}"/>
+                <a16:creationId xmlns:a16="http://schemas.microsoft.com/office/drawing/2014/main" id="{94ED42A3-6A66-4800-AD12-73F59168F3C2}"/>
               </a:ext>
             </a:extLst>
           </p:cNvPr>
@@ -9424,7 +9347,7 @@
           <p:cNvPr id="5" name="Title 1">
             <a:extLst>
               <a:ext uri="{FF2B5EF4-FFF2-40B4-BE49-F238E27FC236}">
-                <a16:creationId xmlns:a16="http://schemas.microsoft.com/office/drawing/2014/main" xmlns="" id="{6EA9B200-91C2-40AA-BE85-482F99D3F359}"/>
+                <a16:creationId xmlns:a16="http://schemas.microsoft.com/office/drawing/2014/main" id="{6EA9B200-91C2-40AA-BE85-482F99D3F359}"/>
               </a:ext>
             </a:extLst>
           </p:cNvPr>
@@ -9467,7 +9390,7 @@
           </a:lstStyle>
           <a:p>
             <a:r>
-              <a:rPr lang="en-US" sz="5400" dirty="0" smtClean="0">
+              <a:rPr lang="en-US" sz="5400" dirty="0">
                 <a:solidFill>
                   <a:schemeClr val="bg1"/>
                 </a:solidFill>
@@ -9493,7 +9416,7 @@
           <p:cNvPr id="6" name="Content Placeholder 3">
             <a:extLst>
               <a:ext uri="{FF2B5EF4-FFF2-40B4-BE49-F238E27FC236}">
-                <a16:creationId xmlns:a16="http://schemas.microsoft.com/office/drawing/2014/main" xmlns="" id="{891AA824-39C0-432B-B1B4-28668A491A9C}"/>
+                <a16:creationId xmlns:a16="http://schemas.microsoft.com/office/drawing/2014/main" id="{891AA824-39C0-432B-B1B4-28668A491A9C}"/>
               </a:ext>
             </a:extLst>
           </p:cNvPr>
@@ -9685,7 +9608,7 @@
               <a:buChar char="§"/>
             </a:pPr>
             <a:r>
-              <a:rPr lang="en-US" dirty="0" smtClean="0">
+              <a:rPr lang="en-US" dirty="0">
                 <a:solidFill>
                   <a:schemeClr val="bg1"/>
                 </a:solidFill>
@@ -9693,18 +9616,7 @@
                 <a:ea typeface="Lato Hairline" panose="020F0502020204030203" pitchFamily="34" charset="0"/>
                 <a:cs typeface="Lato Hairline" panose="020F0502020204030203" pitchFamily="34" charset="0"/>
               </a:rPr>
-              <a:t>Version </a:t>
-            </a:r>
-            <a:r>
-              <a:rPr lang="en-US" dirty="0">
-                <a:solidFill>
-                  <a:schemeClr val="bg1"/>
-                </a:solidFill>
-                <a:latin typeface="Lato Hairline" panose="020F0502020204030203" pitchFamily="34" charset="0"/>
-                <a:ea typeface="Lato Hairline" panose="020F0502020204030203" pitchFamily="34" charset="0"/>
-                <a:cs typeface="Lato Hairline" panose="020F0502020204030203" pitchFamily="34" charset="0"/>
-              </a:rPr>
-              <a:t>control : GitHub</a:t>
+              <a:t>Version control : GitHub</a:t>
             </a:r>
           </a:p>
           <a:p>
@@ -9764,7 +9676,7 @@
           <p:cNvPr id="7" name="Content Placeholder 11">
             <a:extLst>
               <a:ext uri="{FF2B5EF4-FFF2-40B4-BE49-F238E27FC236}">
-                <a16:creationId xmlns:a16="http://schemas.microsoft.com/office/drawing/2014/main" xmlns="" id="{332CC273-2176-43CA-A7B0-83BCF333A5B2}"/>
+                <a16:creationId xmlns:a16="http://schemas.microsoft.com/office/drawing/2014/main" id="{332CC273-2176-43CA-A7B0-83BCF333A5B2}"/>
               </a:ext>
             </a:extLst>
           </p:cNvPr>
@@ -10032,20 +9944,13 @@
     </p:spTree>
     <p:extLst>
       <p:ext uri="{BB962C8B-B14F-4D97-AF65-F5344CB8AC3E}">
-        <p14:creationId xmlns:p14="http://schemas.microsoft.com/office/powerpoint/2010/main" xmlns="" val="955967530"/>
+        <p14:creationId xmlns:p14="http://schemas.microsoft.com/office/powerpoint/2010/main" val="955967530"/>
       </p:ext>
     </p:extLst>
   </p:cSld>
   <p:clrMapOvr>
     <a:masterClrMapping/>
   </p:clrMapOvr>
-  <p:timing>
-    <p:tnLst>
-      <p:par>
-        <p:cTn id="1" dur="indefinite" restart="never" nodeType="tmRoot"/>
-      </p:par>
-    </p:tnLst>
-  </p:timing>
 </p:sld>
 </file>
 
@@ -10082,15 +9987,15 @@
           <a:lstStyle/>
           <a:p>
             <a:r>
-              <a:rPr lang="uk-UA" dirty="0" err="1" smtClean="0"/>
+              <a:rPr lang="uk-UA" dirty="0" err="1"/>
               <a:t>Скріншот</a:t>
             </a:r>
             <a:r>
-              <a:rPr lang="uk-UA" dirty="0" smtClean="0"/>
+              <a:rPr lang="uk-UA" dirty="0"/>
               <a:t> з </a:t>
             </a:r>
             <a:r>
-              <a:rPr lang="uk-UA" dirty="0" err="1" smtClean="0"/>
+              <a:rPr lang="uk-UA" dirty="0" err="1"/>
               <a:t>гітхабу</a:t>
             </a:r>
             <a:endParaRPr lang="uk-UA" dirty="0"/>
@@ -10140,13 +10045,6 @@
   <p:clrMapOvr>
     <a:masterClrMapping/>
   </p:clrMapOvr>
-  <p:timing>
-    <p:tnLst>
-      <p:par>
-        <p:cTn id="1" dur="indefinite" restart="never" nodeType="tmRoot"/>
-      </p:par>
-    </p:tnLst>
-  </p:timing>
 </p:sld>
 </file>
 
@@ -10439,7 +10337,7 @@
   <a:extraClrSchemeLst/>
   <a:extLst>
     <a:ext uri="{05A4C25C-085E-4340-85A3-A5531E510DB2}">
-      <thm15:themeFamily xmlns:thm15="http://schemas.microsoft.com/office/thememl/2012/main" xmlns="" name="Office Theme" id="{62F939B6-93AF-4DB8-9C6B-D6C7DFDC589F}" vid="{4A3C46E8-61CC-4603-A589-7422A47A8E4A}"/>
+      <thm15:themeFamily xmlns:thm15="http://schemas.microsoft.com/office/thememl/2012/main" name="Office Theme" id="{62F939B6-93AF-4DB8-9C6B-D6C7DFDC589F}" vid="{4A3C46E8-61CC-4603-A589-7422A47A8E4A}"/>
     </a:ext>
   </a:extLst>
 </a:theme>
@@ -10734,7 +10632,7 @@
   <a:extraClrSchemeLst/>
   <a:extLst>
     <a:ext uri="{05A4C25C-085E-4340-85A3-A5531E510DB2}">
-      <thm15:themeFamily xmlns:thm15="http://schemas.microsoft.com/office/thememl/2012/main" xmlns="" name="Office Theme" id="{62F939B6-93AF-4DB8-9C6B-D6C7DFDC589F}" vid="{4A3C46E8-61CC-4603-A589-7422A47A8E4A}"/>
+      <thm15:themeFamily xmlns:thm15="http://schemas.microsoft.com/office/thememl/2012/main" name="Office Theme" id="{62F939B6-93AF-4DB8-9C6B-D6C7DFDC589F}" vid="{4A3C46E8-61CC-4603-A589-7422A47A8E4A}"/>
     </a:ext>
   </a:extLst>
 </a:theme>
